--- a/02 customprops.pptx
+++ b/02 customprops.pptx
@@ -127,14 +127,14 @@
           <p14:sldIdLst>
             <p14:sldId id="257"/>
             <p14:sldId id="263"/>
+          </p14:sldIdLst>
+        </p14:section>
+        <p14:section name="implement custom props" id="{34E8F58C-5812-6545-B617-761359EAAED0}">
+          <p14:sldIdLst>
             <p14:sldId id="1555"/>
             <p14:sldId id="1556"/>
             <p14:sldId id="1564"/>
             <p14:sldId id="1563"/>
-          </p14:sldIdLst>
-        </p14:section>
-        <p14:section name="implement custom props" id="{34E8F58C-5812-6545-B617-761359EAAED0}">
-          <p14:sldIdLst>
             <p14:sldId id="265"/>
           </p14:sldIdLst>
         </p14:section>
@@ -261,7 +261,7 @@
               <a:rPr lang="en-US" smtClean="0">
                 <a:latin typeface="Segoe UI" pitchFamily="34" charset="0"/>
               </a:rPr>
-              <a:t>12/11/18 1:49 PM</a:t>
+              <a:t>12/20/18 12:59 PM</a:t>
             </a:fld>
             <a:endParaRPr lang="en-US" dirty="0">
               <a:latin typeface="Segoe UI" pitchFamily="34" charset="0"/>
@@ -555,7 +555,7 @@
           <a:p>
             <a:fld id="{D18B56EA-E28F-4F92-9F16-7A6F2501B303}" type="datetime8">
               <a:rPr lang="en-US" smtClean="0"/>
-              <a:t>12/11/18 1:49 PM</a:t>
+              <a:t>12/20/18 12:59 PM</a:t>
             </a:fld>
             <a:endParaRPr lang="en-US" dirty="0"/>
           </a:p>
@@ -938,7 +938,7 @@
           <a:p>
             <a:fld id="{D18B56EA-E28F-4F92-9F16-7A6F2501B303}" type="datetime8">
               <a:rPr lang="en-US" smtClean="0"/>
-              <a:t>12/11/18 1:49 PM</a:t>
+              <a:t>12/20/18 12:59 PM</a:t>
             </a:fld>
             <a:endParaRPr lang="en-US" dirty="0"/>
           </a:p>
@@ -1119,7 +1119,7 @@
           <a:p>
             <a:fld id="{D18B56EA-E28F-4F92-9F16-7A6F2501B303}" type="datetime8">
               <a:rPr lang="en-US" smtClean="0"/>
-              <a:t>12/11/18 1:49 PM</a:t>
+              <a:t>12/20/18 12:59 PM</a:t>
             </a:fld>
             <a:endParaRPr lang="en-US" dirty="0"/>
           </a:p>
@@ -1624,7 +1624,7 @@
           <a:p>
             <a:fld id="{D18B56EA-E28F-4F92-9F16-7A6F2501B303}" type="datetime8">
               <a:rPr lang="en-US" smtClean="0"/>
-              <a:t>12/11/18 2:24 PM</a:t>
+              <a:t>12/20/18 12:59 PM</a:t>
             </a:fld>
             <a:endParaRPr lang="en-US" dirty="0"/>
           </a:p>
@@ -1805,7 +1805,7 @@
           <a:p>
             <a:fld id="{D18B56EA-E28F-4F92-9F16-7A6F2501B303}" type="datetime8">
               <a:rPr lang="en-US" smtClean="0"/>
-              <a:t>12/11/18 2:25 PM</a:t>
+              <a:t>12/20/18 12:59 PM</a:t>
             </a:fld>
             <a:endParaRPr lang="en-US" dirty="0"/>
           </a:p>
@@ -1986,7 +1986,7 @@
           <a:p>
             <a:fld id="{D18B56EA-E28F-4F92-9F16-7A6F2501B303}" type="datetime8">
               <a:rPr lang="en-US" smtClean="0"/>
-              <a:t>12/11/18 1:49 PM</a:t>
+              <a:t>12/20/18 12:59 PM</a:t>
             </a:fld>
             <a:endParaRPr lang="en-US" dirty="0"/>
           </a:p>
@@ -2167,7 +2167,7 @@
           <a:p>
             <a:fld id="{D18B56EA-E28F-4F92-9F16-7A6F2501B303}" type="datetime8">
               <a:rPr lang="en-US" smtClean="0"/>
-              <a:t>12/11/18 1:49 PM</a:t>
+              <a:t>12/20/18 12:59 PM</a:t>
             </a:fld>
             <a:endParaRPr lang="en-US" dirty="0"/>
           </a:p>
@@ -6867,8 +6867,8 @@
 </file>
 
 <file path=ppt/slideLayouts/slideLayout26.xml><?xml version="1.0" encoding="utf-8"?>
-<p:sldLayout xmlns:a="http://schemas.openxmlformats.org/drawingml/2006/main" xmlns:r="http://schemas.openxmlformats.org/officeDocument/2006/relationships" xmlns:p="http://schemas.openxmlformats.org/presentationml/2006/main" userDrawn="1">
-  <p:cSld name="Developer Code Layout">
+<p:sldLayout xmlns:a="http://schemas.openxmlformats.org/drawingml/2006/main" xmlns:r="http://schemas.openxmlformats.org/officeDocument/2006/relationships" xmlns:p="http://schemas.openxmlformats.org/presentationml/2006/main" preserve="1" userDrawn="1">
+  <p:cSld name="1_Developer Code Layout">
     <p:spTree>
       <p:nvGrpSpPr>
         <p:cNvPr id="1" name=""/>
@@ -6893,27 +6893,31 @@
             <p:ph type="title" hasCustomPrompt="1"/>
           </p:nvPr>
         </p:nvSpPr>
-        <p:spPr/>
+        <p:spPr>
+          <a:xfrm>
+            <a:off x="464400" y="633600"/>
+            <a:ext cx="11575200" cy="410369"/>
+          </a:xfrm>
+        </p:spPr>
         <p:txBody>
-          <a:bodyPr/>
+          <a:bodyPr vert="horz" wrap="square" lIns="0" tIns="0" rIns="0" bIns="0" rtlCol="0" anchor="t">
+            <a:spAutoFit/>
+          </a:bodyPr>
           <a:lstStyle>
             <a:lvl1pPr>
-              <a:defRPr>
-                <a:gradFill>
-                  <a:gsLst>
-                    <a:gs pos="1250">
-                      <a:schemeClr val="tx2"/>
-                    </a:gs>
-                    <a:gs pos="100000">
-                      <a:schemeClr val="tx2"/>
-                    </a:gs>
-                  </a:gsLst>
-                  <a:lin ang="5400000" scaled="0"/>
-                </a:gradFill>
+              <a:defRPr lang="en-US" sz="2800" dirty="0">
+                <a:solidFill>
+                  <a:srgbClr val="2F2F2F"/>
+                </a:solidFill>
               </a:defRPr>
             </a:lvl1pPr>
           </a:lstStyle>
           <a:p>
+            <a:pPr lvl="0">
+              <a:lnSpc>
+                <a:spcPts val="3200"/>
+              </a:lnSpc>
+            </a:pPr>
             <a:r>
               <a:rPr lang="en-US" dirty="0"/>
               <a:t>Slide for Developer Code</a:t>
@@ -7006,8 +7010,8 @@
         </p:nvSpPr>
         <p:spPr>
           <a:xfrm>
-            <a:off x="528849" y="1476622"/>
-            <a:ext cx="11378776" cy="2360774"/>
+            <a:off x="464400" y="1178952"/>
+            <a:ext cx="11575200" cy="2658444"/>
           </a:xfrm>
         </p:spPr>
         <p:txBody>
@@ -7122,45 +7126,44 @@
           <a:p>
             <a:pPr lvl="0"/>
             <a:r>
-              <a:rPr lang="en-US"/>
+              <a:rPr lang="en-US" dirty="0"/>
               <a:t>Click to edit Master text styles</a:t>
             </a:r>
           </a:p>
           <a:p>
             <a:pPr lvl="1"/>
             <a:r>
-              <a:rPr lang="en-US"/>
+              <a:rPr lang="en-US" dirty="0"/>
               <a:t>Second level</a:t>
             </a:r>
           </a:p>
           <a:p>
             <a:pPr lvl="2"/>
             <a:r>
-              <a:rPr lang="en-US"/>
+              <a:rPr lang="en-US" dirty="0"/>
               <a:t>Third level</a:t>
             </a:r>
           </a:p>
           <a:p>
             <a:pPr lvl="3"/>
             <a:r>
-              <a:rPr lang="en-US"/>
+              <a:rPr lang="en-US" dirty="0"/>
               <a:t>Fourth level</a:t>
             </a:r>
           </a:p>
           <a:p>
             <a:pPr lvl="4"/>
             <a:r>
-              <a:rPr lang="en-US"/>
+              <a:rPr lang="en-US" dirty="0"/>
               <a:t>Fifth level</a:t>
             </a:r>
-            <a:endParaRPr lang="en-US" dirty="0"/>
           </a:p>
         </p:txBody>
       </p:sp>
     </p:spTree>
     <p:extLst>
       <p:ext uri="{BB962C8B-B14F-4D97-AF65-F5344CB8AC3E}">
-        <p14:creationId xmlns:p14="http://schemas.microsoft.com/office/powerpoint/2010/main" val="2517332202"/>
+        <p14:creationId xmlns:p14="http://schemas.microsoft.com/office/powerpoint/2010/main" val="111627568"/>
       </p:ext>
     </p:extLst>
   </p:cSld>
@@ -7174,8 +7177,8 @@
 </file>
 
 <file path=ppt/slideLayouts/slideLayout27.xml><?xml version="1.0" encoding="utf-8"?>
-<p:sldLayout xmlns:a="http://schemas.openxmlformats.org/drawingml/2006/main" xmlns:r="http://schemas.openxmlformats.org/officeDocument/2006/relationships" xmlns:p="http://schemas.openxmlformats.org/presentationml/2006/main" userDrawn="1">
-  <p:cSld name="Title Only">
+<p:sldLayout xmlns:a="http://schemas.openxmlformats.org/drawingml/2006/main" xmlns:r="http://schemas.openxmlformats.org/officeDocument/2006/relationships" xmlns:p="http://schemas.openxmlformats.org/presentationml/2006/main" preserve="1" userDrawn="1">
+  <p:cSld name="Title &amp; 2-color Non-bulleted text">
     <p:spTree>
       <p:nvGrpSpPr>
         <p:cNvPr id="1" name=""/>
@@ -7200,53 +7203,124 @@
             <p:ph type="title"/>
           </p:nvPr>
         </p:nvSpPr>
-        <p:spPr/>
+        <p:spPr>
+          <a:xfrm>
+            <a:off x="464400" y="633600"/>
+            <a:ext cx="11574000" cy="410369"/>
+          </a:xfrm>
+        </p:spPr>
+        <p:txBody>
+          <a:bodyPr vert="horz" wrap="square" lIns="0" tIns="0" rIns="0" bIns="0" rtlCol="0" anchor="t">
+            <a:spAutoFit/>
+          </a:bodyPr>
+          <a:lstStyle>
+            <a:lvl1pPr>
+              <a:defRPr lang="en-US" sz="2800" dirty="0">
+                <a:solidFill>
+                  <a:srgbClr val="2F2F2F"/>
+                </a:solidFill>
+              </a:defRPr>
+            </a:lvl1pPr>
+          </a:lstStyle>
+          <a:p>
+            <a:pPr lvl="0">
+              <a:lnSpc>
+                <a:spcPts val="3200"/>
+              </a:lnSpc>
+            </a:pPr>
+            <a:r>
+              <a:rPr lang="en-US" dirty="0"/>
+              <a:t>Click to edit Master title style</a:t>
+            </a:r>
+          </a:p>
+        </p:txBody>
+      </p:sp>
+      <p:sp>
+        <p:nvSpPr>
+          <p:cNvPr id="6" name="Text Placeholder 5"/>
+          <p:cNvSpPr>
+            <a:spLocks noGrp="1"/>
+          </p:cNvSpPr>
+          <p:nvPr>
+            <p:ph type="body" sz="quarter" idx="10"/>
+          </p:nvPr>
+        </p:nvSpPr>
+        <p:spPr>
+          <a:xfrm>
+            <a:off x="464400" y="1212850"/>
+            <a:ext cx="11574000" cy="1346522"/>
+          </a:xfrm>
+        </p:spPr>
         <p:txBody>
           <a:bodyPr/>
-          <a:lstStyle/>
-          <a:p>
-            <a:r>
-              <a:rPr lang="en-US"/>
-              <a:t>Click to edit Master title style</a:t>
-            </a:r>
-            <a:endParaRPr lang="en-US" dirty="0"/>
+          <a:lstStyle>
+            <a:lvl1pPr marL="0" indent="0">
+              <a:buNone/>
+              <a:defRPr sz="2400">
+                <a:solidFill>
+                  <a:schemeClr val="tx2"/>
+                </a:solidFill>
+              </a:defRPr>
+            </a:lvl1pPr>
+            <a:lvl2pPr marL="0" indent="0">
+              <a:buFontTx/>
+              <a:buNone/>
+              <a:defRPr sz="1400"/>
+            </a:lvl2pPr>
+            <a:lvl3pPr marL="228600" indent="0">
+              <a:buNone/>
+              <a:defRPr sz="1200"/>
+            </a:lvl3pPr>
+            <a:lvl4pPr marL="457200" indent="0">
+              <a:buNone/>
+              <a:defRPr sz="1100"/>
+            </a:lvl4pPr>
+            <a:lvl5pPr marL="685800" indent="0">
+              <a:buNone/>
+              <a:defRPr sz="1050"/>
+            </a:lvl5pPr>
+          </a:lstStyle>
+          <a:p>
+            <a:pPr lvl="0"/>
+            <a:r>
+              <a:rPr lang="en-US" dirty="0"/>
+              <a:t>Edit Master text styles</a:t>
+            </a:r>
+          </a:p>
+          <a:p>
+            <a:pPr lvl="1"/>
+            <a:r>
+              <a:rPr lang="en-US" dirty="0"/>
+              <a:t>Second level</a:t>
+            </a:r>
+          </a:p>
+          <a:p>
+            <a:pPr lvl="2"/>
+            <a:r>
+              <a:rPr lang="en-US" dirty="0"/>
+              <a:t>Third level</a:t>
+            </a:r>
+          </a:p>
+          <a:p>
+            <a:pPr lvl="3"/>
+            <a:r>
+              <a:rPr lang="en-US" dirty="0"/>
+              <a:t>Fourth level</a:t>
+            </a:r>
+          </a:p>
+          <a:p>
+            <a:pPr lvl="4"/>
+            <a:r>
+              <a:rPr lang="en-US" dirty="0"/>
+              <a:t>Fifth level</a:t>
+            </a:r>
           </a:p>
         </p:txBody>
       </p:sp>
-      <p:pic>
-        <p:nvPicPr>
-          <p:cNvPr id="5" name="Picture 4"/>
-          <p:cNvPicPr>
-            <a:picLocks noChangeAspect="1"/>
-          </p:cNvPicPr>
-          <p:nvPr userDrawn="1"/>
-        </p:nvPicPr>
-        <p:blipFill>
-          <a:blip r:embed="rId2">
-            <a:extLst>
-              <a:ext uri="{28A0092B-C50C-407E-A947-70E740481C1C}">
-                <a14:useLocalDpi xmlns:a14="http://schemas.microsoft.com/office/drawing/2010/main" val="0"/>
-              </a:ext>
-            </a:extLst>
-          </a:blip>
-          <a:stretch>
-            <a:fillRect/>
-          </a:stretch>
-        </p:blipFill>
-        <p:spPr>
-          <a:xfrm>
-            <a:off x="10933639" y="6533467"/>
-            <a:ext cx="1501954" cy="477297"/>
-          </a:xfrm>
-          <a:prstGeom prst="rect">
-            <a:avLst/>
-          </a:prstGeom>
-        </p:spPr>
-      </p:pic>
     </p:spTree>
     <p:extLst>
       <p:ext uri="{BB962C8B-B14F-4D97-AF65-F5344CB8AC3E}">
-        <p14:creationId xmlns:p14="http://schemas.microsoft.com/office/powerpoint/2010/main" val="1799115155"/>
+        <p14:creationId xmlns:p14="http://schemas.microsoft.com/office/powerpoint/2010/main" val="1190654524"/>
       </p:ext>
     </p:extLst>
   </p:cSld>
@@ -7260,8 +7334,8 @@
 </file>
 
 <file path=ppt/slideLayouts/slideLayout28.xml><?xml version="1.0" encoding="utf-8"?>
-<p:sldLayout xmlns:a="http://schemas.openxmlformats.org/drawingml/2006/main" xmlns:r="http://schemas.openxmlformats.org/officeDocument/2006/relationships" xmlns:p="http://schemas.openxmlformats.org/presentationml/2006/main" userDrawn="1">
-  <p:cSld name="Title and Content">
+<p:sldLayout xmlns:a="http://schemas.openxmlformats.org/drawingml/2006/main" xmlns:r="http://schemas.openxmlformats.org/officeDocument/2006/relationships" xmlns:p="http://schemas.openxmlformats.org/presentationml/2006/main" preserve="1" userDrawn="1">
+  <p:cSld name="1_Title and Content">
     <p:spTree>
       <p:nvGrpSpPr>
         <p:cNvPr id="1" name=""/>
@@ -7288,8 +7362,8 @@
         </p:nvSpPr>
         <p:spPr>
           <a:xfrm>
-            <a:off x="274638" y="1212850"/>
-            <a:ext cx="11887200" cy="1889748"/>
+            <a:off x="464400" y="1212850"/>
+            <a:ext cx="11574000" cy="1566583"/>
           </a:xfrm>
         </p:spPr>
         <p:txBody>
@@ -7298,16 +7372,16 @@
           </a:bodyPr>
           <a:lstStyle>
             <a:lvl1pPr>
-              <a:defRPr sz="4000"/>
+              <a:defRPr sz="2400"/>
             </a:lvl1pPr>
             <a:lvl2pPr>
-              <a:defRPr sz="2000"/>
+              <a:defRPr sz="1800"/>
             </a:lvl2pPr>
             <a:lvl3pPr>
-              <a:defRPr sz="1800"/>
+              <a:defRPr sz="1600"/>
             </a:lvl3pPr>
             <a:lvl4pPr>
-              <a:defRPr sz="1600"/>
+              <a:defRPr sz="1400"/>
             </a:lvl4pPr>
             <a:lvl5pPr>
               <a:defRPr sz="1400"/>
@@ -7316,38 +7390,37 @@
           <a:p>
             <a:pPr lvl="0"/>
             <a:r>
-              <a:rPr lang="en-US"/>
+              <a:rPr lang="en-US" dirty="0"/>
               <a:t>Edit Master text styles</a:t>
             </a:r>
           </a:p>
           <a:p>
             <a:pPr lvl="1"/>
             <a:r>
-              <a:rPr lang="en-US"/>
+              <a:rPr lang="en-US" dirty="0"/>
               <a:t>Second level</a:t>
             </a:r>
           </a:p>
           <a:p>
             <a:pPr lvl="2"/>
             <a:r>
-              <a:rPr lang="en-US"/>
+              <a:rPr lang="en-US" dirty="0"/>
               <a:t>Third level</a:t>
             </a:r>
           </a:p>
           <a:p>
             <a:pPr lvl="3"/>
             <a:r>
-              <a:rPr lang="en-US"/>
+              <a:rPr lang="en-US" dirty="0"/>
               <a:t>Fourth level</a:t>
             </a:r>
           </a:p>
           <a:p>
             <a:pPr lvl="4"/>
             <a:r>
-              <a:rPr lang="en-US"/>
+              <a:rPr lang="en-US" dirty="0"/>
               <a:t>Fifth level</a:t>
             </a:r>
-            <a:endParaRPr lang="en-US" dirty="0"/>
           </a:p>
         </p:txBody>
       </p:sp>
@@ -7361,52 +7434,42 @@
             <p:ph type="title"/>
           </p:nvPr>
         </p:nvSpPr>
-        <p:spPr/>
+        <p:spPr>
+          <a:xfrm>
+            <a:off x="464400" y="633600"/>
+            <a:ext cx="11574000" cy="410369"/>
+          </a:xfrm>
+        </p:spPr>
         <p:txBody>
-          <a:bodyPr/>
-          <a:lstStyle/>
-          <a:p>
-            <a:r>
-              <a:rPr lang="en-US"/>
+          <a:bodyPr vert="horz" wrap="square" lIns="0" tIns="0" rIns="0" bIns="0" rtlCol="0" anchor="t">
+            <a:spAutoFit/>
+          </a:bodyPr>
+          <a:lstStyle>
+            <a:lvl1pPr>
+              <a:defRPr lang="en-US" sz="2800">
+                <a:solidFill>
+                  <a:srgbClr val="2F2F2F"/>
+                </a:solidFill>
+              </a:defRPr>
+            </a:lvl1pPr>
+          </a:lstStyle>
+          <a:p>
+            <a:pPr lvl="0">
+              <a:lnSpc>
+                <a:spcPts val="3200"/>
+              </a:lnSpc>
+            </a:pPr>
+            <a:r>
+              <a:rPr lang="en-US" dirty="0"/>
               <a:t>Click to edit Master title style</a:t>
             </a:r>
           </a:p>
         </p:txBody>
       </p:sp>
-      <p:pic>
-        <p:nvPicPr>
-          <p:cNvPr id="8" name="Picture 7"/>
-          <p:cNvPicPr>
-            <a:picLocks noChangeAspect="1"/>
-          </p:cNvPicPr>
-          <p:nvPr userDrawn="1"/>
-        </p:nvPicPr>
-        <p:blipFill>
-          <a:blip r:embed="rId2">
-            <a:extLst>
-              <a:ext uri="{28A0092B-C50C-407E-A947-70E740481C1C}">
-                <a14:useLocalDpi xmlns:a14="http://schemas.microsoft.com/office/drawing/2010/main" val="0"/>
-              </a:ext>
-            </a:extLst>
-          </a:blip>
-          <a:stretch>
-            <a:fillRect/>
-          </a:stretch>
-        </p:blipFill>
-        <p:spPr>
-          <a:xfrm>
-            <a:off x="10933639" y="6533467"/>
-            <a:ext cx="1501954" cy="477297"/>
-          </a:xfrm>
-          <a:prstGeom prst="rect">
-            <a:avLst/>
-          </a:prstGeom>
-        </p:spPr>
-      </p:pic>
     </p:spTree>
     <p:extLst>
       <p:ext uri="{BB962C8B-B14F-4D97-AF65-F5344CB8AC3E}">
-        <p14:creationId xmlns:p14="http://schemas.microsoft.com/office/powerpoint/2010/main" val="3511448209"/>
+        <p14:creationId xmlns:p14="http://schemas.microsoft.com/office/powerpoint/2010/main" val="388072062"/>
       </p:ext>
     </p:extLst>
   </p:cSld>
@@ -14315,9 +14378,9 @@
     <p:sldLayoutId id="2147484545" r:id="rId23"/>
     <p:sldLayoutId id="2147484546" r:id="rId24"/>
     <p:sldLayoutId id="2147484299" r:id="rId25"/>
-    <p:sldLayoutId id="2147484552" r:id="rId26"/>
-    <p:sldLayoutId id="2147484557" r:id="rId27"/>
-    <p:sldLayoutId id="2147484558" r:id="rId28"/>
+    <p:sldLayoutId id="2147484559" r:id="rId26"/>
+    <p:sldLayoutId id="2147484560" r:id="rId27"/>
+    <p:sldLayoutId id="2147484561" r:id="rId28"/>
   </p:sldLayoutIdLst>
   <p:transition>
     <p:fade/>
@@ -15264,123 +15327,104 @@
             <p:ph type="body" sz="quarter" idx="10"/>
           </p:nvPr>
         </p:nvSpPr>
-        <p:spPr>
-          <a:xfrm>
-            <a:off x="274639" y="1212850"/>
-            <a:ext cx="5097462" cy="5644622"/>
-          </a:xfrm>
-        </p:spPr>
+        <p:spPr/>
         <p:txBody>
           <a:bodyPr/>
           <a:lstStyle/>
           <a:p>
-            <a:pPr marL="342900" indent="-342900">
-              <a:buFont typeface="Arial" pitchFamily="34" charset="0"/>
-              <a:buChar char="•"/>
-            </a:pPr>
-            <a:r>
-              <a:rPr lang="en-US" sz="2400" dirty="0"/>
-              <a:t>Property pane supports the following field types out-of-the-box</a:t>
-            </a:r>
-          </a:p>
-          <a:p>
-            <a:pPr marL="809271" lvl="1" indent="-342900">
-              <a:buFont typeface="Arial" pitchFamily="34" charset="0"/>
-              <a:buChar char="•"/>
-            </a:pPr>
+            <a:r>
+              <a:rPr lang="en-US" dirty="0"/>
+              <a:t>Property pane supports the </a:t>
+            </a:r>
+            <a:br>
+              <a:rPr lang="en-US" dirty="0"/>
+            </a:br>
+            <a:r>
+              <a:rPr lang="en-US" dirty="0"/>
+              <a:t>following field types </a:t>
+            </a:r>
+            <a:br>
+              <a:rPr lang="en-US" dirty="0"/>
+            </a:br>
+            <a:r>
+              <a:rPr lang="en-US" dirty="0"/>
+              <a:t>out-of-the-box</a:t>
+            </a:r>
+          </a:p>
+          <a:p>
+            <a:pPr lvl="1"/>
             <a:r>
               <a:rPr lang="en-US" dirty="0"/>
               <a:t>Label</a:t>
             </a:r>
           </a:p>
           <a:p>
-            <a:pPr marL="809271" lvl="1" indent="-342900">
-              <a:buFont typeface="Arial" pitchFamily="34" charset="0"/>
-              <a:buChar char="•"/>
-            </a:pPr>
+            <a:pPr lvl="1"/>
             <a:r>
               <a:rPr lang="en-US" dirty="0"/>
               <a:t>Textbox</a:t>
             </a:r>
           </a:p>
           <a:p>
-            <a:pPr marL="809271" lvl="1" indent="-342900">
-              <a:buFont typeface="Arial" pitchFamily="34" charset="0"/>
-              <a:buChar char="•"/>
-            </a:pPr>
+            <a:pPr lvl="1"/>
             <a:r>
               <a:rPr lang="en-US" dirty="0"/>
               <a:t>Multi-line Textbox</a:t>
             </a:r>
           </a:p>
           <a:p>
-            <a:pPr marL="809271" lvl="1" indent="-342900">
-              <a:buFont typeface="Arial" pitchFamily="34" charset="0"/>
-              <a:buChar char="•"/>
-            </a:pPr>
+            <a:pPr lvl="1"/>
             <a:r>
               <a:rPr lang="en-US" dirty="0"/>
               <a:t>Checkbox</a:t>
             </a:r>
           </a:p>
           <a:p>
-            <a:pPr marL="809271" lvl="1" indent="-342900">
-              <a:buFont typeface="Arial" pitchFamily="34" charset="0"/>
-              <a:buChar char="•"/>
-            </a:pPr>
+            <a:pPr lvl="1"/>
             <a:r>
               <a:rPr lang="en-US" dirty="0"/>
               <a:t>Dropdown</a:t>
             </a:r>
           </a:p>
           <a:p>
-            <a:pPr marL="809271" lvl="1" indent="-342900">
-              <a:buFont typeface="Arial" pitchFamily="34" charset="0"/>
-              <a:buChar char="•"/>
-            </a:pPr>
+            <a:pPr lvl="1"/>
             <a:r>
               <a:rPr lang="en-US" dirty="0"/>
               <a:t>Link</a:t>
             </a:r>
           </a:p>
           <a:p>
-            <a:pPr marL="809271" lvl="1" indent="-342900">
-              <a:buFont typeface="Arial" pitchFamily="34" charset="0"/>
-              <a:buChar char="•"/>
-            </a:pPr>
+            <a:pPr lvl="1"/>
             <a:r>
               <a:rPr lang="en-US" dirty="0"/>
               <a:t>Slider</a:t>
             </a:r>
           </a:p>
           <a:p>
-            <a:pPr marL="809271" lvl="1" indent="-342900">
-              <a:buFont typeface="Arial" pitchFamily="34" charset="0"/>
-              <a:buChar char="•"/>
-            </a:pPr>
+            <a:pPr lvl="1"/>
             <a:r>
               <a:rPr lang="en-US" dirty="0"/>
               <a:t>Toggle</a:t>
             </a:r>
           </a:p>
           <a:p>
-            <a:pPr marL="809271" lvl="1" indent="-342900">
-              <a:buFont typeface="Arial" pitchFamily="34" charset="0"/>
-              <a:buChar char="•"/>
-            </a:pPr>
+            <a:pPr lvl="1"/>
             <a:r>
               <a:rPr lang="en-US" dirty="0"/>
               <a:t>Custom</a:t>
             </a:r>
           </a:p>
           <a:p>
-            <a:pPr marL="342900" indent="-342900">
-              <a:buFont typeface="Arial" pitchFamily="34" charset="0"/>
-              <a:buChar char="•"/>
-            </a:pPr>
-            <a:r>
-              <a:rPr lang="en-US" sz="2400" dirty="0"/>
-              <a:t>Also possible to create your own custom field types</a:t>
+            <a:r>
+              <a:rPr lang="en-US" dirty="0"/>
+              <a:t>Also possible to create your own </a:t>
+            </a:r>
+            <a:br>
+              <a:rPr lang="en-US" dirty="0"/>
+            </a:br>
+            <a:r>
+              <a:rPr lang="en-US" dirty="0"/>
+              <a:t>custom field types</a:t>
             </a:r>
           </a:p>
           <a:p>
@@ -15480,8 +15524,8 @@
         </p:nvSpPr>
         <p:spPr>
           <a:xfrm>
-            <a:off x="274638" y="1212850"/>
-            <a:ext cx="11887200" cy="4985980"/>
+            <a:off x="464400" y="1212850"/>
+            <a:ext cx="11574000" cy="2400657"/>
           </a:xfrm>
         </p:spPr>
         <p:txBody>
@@ -15506,15 +15550,8 @@
               <a:t>PropertyPaneCustomField</a:t>
             </a:r>
             <a:r>
-              <a:rPr lang="en-US" dirty="0">
-                <a:latin typeface="Courier New" panose="02070309020205020404" pitchFamily="49" charset="0"/>
-                <a:cs typeface="Courier New" panose="02070309020205020404" pitchFamily="49" charset="0"/>
-              </a:rPr>
-              <a:t> </a:t>
-            </a:r>
-            <a:r>
-              <a:rPr lang="en-US" dirty="0"/>
-              <a:t>field type in the web part class</a:t>
+              <a:rPr lang="en-US" dirty="0"/>
+              <a:t> field type in the web part class</a:t>
             </a:r>
           </a:p>
           <a:p>
@@ -15530,24 +15567,57 @@
               <a:t> field type is available as a modules in the </a:t>
             </a:r>
             <a:r>
-              <a:rPr lang="en-US" b="1" dirty="0" err="1"/>
+              <a:rPr lang="en-US" dirty="0">
+                <a:latin typeface="Courier New" panose="02070309020205020404" pitchFamily="49" charset="0"/>
+                <a:cs typeface="Courier New" panose="02070309020205020404" pitchFamily="49" charset="0"/>
+              </a:rPr>
+              <a:t>@</a:t>
+            </a:r>
+            <a:r>
+              <a:rPr lang="en-US" dirty="0" err="1">
+                <a:latin typeface="Courier New" panose="02070309020205020404" pitchFamily="49" charset="0"/>
+                <a:cs typeface="Courier New" panose="02070309020205020404" pitchFamily="49" charset="0"/>
+              </a:rPr>
+              <a:t>microsoft</a:t>
+            </a:r>
+            <a:r>
+              <a:rPr lang="en-US" dirty="0">
+                <a:latin typeface="Courier New" panose="02070309020205020404" pitchFamily="49" charset="0"/>
+                <a:cs typeface="Courier New" panose="02070309020205020404" pitchFamily="49" charset="0"/>
+              </a:rPr>
+              <a:t>/</a:t>
+            </a:r>
+            <a:r>
+              <a:rPr lang="en-US" dirty="0" err="1">
+                <a:latin typeface="Courier New" panose="02070309020205020404" pitchFamily="49" charset="0"/>
+                <a:cs typeface="Courier New" panose="02070309020205020404" pitchFamily="49" charset="0"/>
+              </a:rPr>
               <a:t>sp</a:t>
             </a:r>
             <a:r>
-              <a:rPr lang="en-US" b="1" dirty="0"/>
+              <a:rPr lang="en-US" dirty="0">
+                <a:latin typeface="Courier New" panose="02070309020205020404" pitchFamily="49" charset="0"/>
+                <a:cs typeface="Courier New" panose="02070309020205020404" pitchFamily="49" charset="0"/>
+              </a:rPr>
               <a:t>-</a:t>
             </a:r>
             <a:r>
-              <a:rPr lang="en-US" b="1" dirty="0" err="1"/>
+              <a:rPr lang="en-US" dirty="0" err="1">
+                <a:latin typeface="Courier New" panose="02070309020205020404" pitchFamily="49" charset="0"/>
+                <a:cs typeface="Courier New" panose="02070309020205020404" pitchFamily="49" charset="0"/>
+              </a:rPr>
               <a:t>webpart</a:t>
             </a:r>
             <a:r>
-              <a:rPr lang="en-US" b="1" dirty="0"/>
-              <a:t>-base </a:t>
-            </a:r>
-            <a:r>
-              <a:rPr lang="en-US" dirty="0"/>
-              <a:t>library</a:t>
+              <a:rPr lang="en-US" dirty="0">
+                <a:latin typeface="Courier New" panose="02070309020205020404" pitchFamily="49" charset="0"/>
+                <a:cs typeface="Courier New" panose="02070309020205020404" pitchFamily="49" charset="0"/>
+              </a:rPr>
+              <a:t>-base</a:t>
+            </a:r>
+            <a:r>
+              <a:rPr lang="en-US" dirty="0"/>
+              <a:t> library</a:t>
             </a:r>
           </a:p>
           <a:p>
@@ -15571,7 +15641,7 @@
           <a:lstStyle/>
           <a:p>
             <a:r>
-              <a:rPr lang="en-US" sz="4000" dirty="0"/>
+              <a:rPr lang="en-US" dirty="0"/>
               <a:t>Implementing custom property pane fields</a:t>
             </a:r>
           </a:p>
@@ -15654,12 +15724,7 @@
             <p:ph type="body" sz="quarter" idx="10"/>
           </p:nvPr>
         </p:nvSpPr>
-        <p:spPr>
-          <a:xfrm>
-            <a:off x="528849" y="1476622"/>
-            <a:ext cx="11378776" cy="5592300"/>
-          </a:xfrm>
-        </p:spPr>
+        <p:spPr/>
         <p:txBody>
           <a:bodyPr/>
           <a:lstStyle/>
@@ -15979,13 +16044,13 @@
           <a:lstStyle/>
           <a:p>
             <a:r>
-              <a:rPr lang="en-US" sz="2800" dirty="0"/>
+              <a:rPr lang="en-US" dirty="0"/>
               <a:t>When out-of-the-box property pane controls don’t meet your needs you can create your own custom controls</a:t>
             </a:r>
           </a:p>
           <a:p>
             <a:r>
-              <a:rPr lang="en-US" sz="2800" dirty="0"/>
+              <a:rPr lang="en-US" dirty="0"/>
               <a:t>Creating custom controls promotes code reusability</a:t>
             </a:r>
           </a:p>

--- a/02 customprops.pptx
+++ b/02 customprops.pptx
@@ -15,7 +15,7 @@
     <p:sldId id="263" r:id="rId4"/>
     <p:sldId id="1555" r:id="rId5"/>
     <p:sldId id="1556" r:id="rId6"/>
-    <p:sldId id="1564" r:id="rId7"/>
+    <p:sldId id="1572" r:id="rId7"/>
     <p:sldId id="1563" r:id="rId8"/>
     <p:sldId id="265" r:id="rId9"/>
     <p:sldId id="283" r:id="rId10"/>
@@ -129,16 +129,16 @@
             <p14:sldId id="263"/>
           </p14:sldIdLst>
         </p14:section>
-        <p14:section name="implement custom props" id="{34E8F58C-5812-6545-B617-761359EAAED0}">
+        <p14:section name="body" id="{3D9C80B2-EAAE-E24F-83D7-5970E147313E}">
           <p14:sldIdLst>
             <p14:sldId id="1555"/>
             <p14:sldId id="1556"/>
-            <p14:sldId id="1564"/>
+            <p14:sldId id="1572"/>
             <p14:sldId id="1563"/>
             <p14:sldId id="265"/>
           </p14:sldIdLst>
         </p14:section>
-        <p14:section name="closing" id="{0EC9757E-F94D-C546-A5E4-126C6ED1F0FA}">
+        <p14:section name="outro" id="{E93196B6-EFE2-3242-B776-C77C0FCFFEF1}">
           <p14:sldIdLst>
             <p14:sldId id="283"/>
             <p14:sldId id="279"/>
@@ -224,9 +224,12 @@
             </a:lvl1pPr>
           </a:lstStyle>
           <a:p>
-            <a:endParaRPr lang="en-US" dirty="0">
-              <a:latin typeface="Segoe UI" pitchFamily="34" charset="0"/>
-            </a:endParaRPr>
+            <a:r>
+              <a:rPr lang="en-US" dirty="0">
+                <a:latin typeface="Segoe UI" pitchFamily="34" charset="0"/>
+              </a:rPr>
+              <a:t>SharePoint Framework</a:t>
+            </a:r>
           </a:p>
         </p:txBody>
       </p:sp>
@@ -261,7 +264,7 @@
               <a:rPr lang="en-US" smtClean="0">
                 <a:latin typeface="Segoe UI" pitchFamily="34" charset="0"/>
               </a:rPr>
-              <a:t>12/20/18 12:59 PM</a:t>
+              <a:t>12/20/2018 9:17 PM</a:t>
             </a:fld>
             <a:endParaRPr lang="en-US" dirty="0">
               <a:latin typeface="Segoe UI" pitchFamily="34" charset="0"/>
@@ -421,7 +424,10 @@
             </a:lvl1pPr>
           </a:lstStyle>
           <a:p>
-            <a:endParaRPr lang="en-US" dirty="0"/>
+            <a:r>
+              <a:rPr lang="en-US" dirty="0"/>
+              <a:t>SharePoint Framework</a:t>
+            </a:r>
           </a:p>
         </p:txBody>
       </p:sp>
@@ -555,7 +561,7 @@
           <a:p>
             <a:fld id="{D18B56EA-E28F-4F92-9F16-7A6F2501B303}" type="datetime8">
               <a:rPr lang="en-US" smtClean="0"/>
-              <a:t>12/20/18 12:59 PM</a:t>
+              <a:t>12/20/2018 9:17 PM</a:t>
             </a:fld>
             <a:endParaRPr lang="en-US" dirty="0"/>
           </a:p>
@@ -938,7 +944,7 @@
           <a:p>
             <a:fld id="{D18B56EA-E28F-4F92-9F16-7A6F2501B303}" type="datetime8">
               <a:rPr lang="en-US" smtClean="0"/>
-              <a:t>12/20/18 12:59 PM</a:t>
+              <a:t>12/20/2018 9:17 PM</a:t>
             </a:fld>
             <a:endParaRPr lang="en-US" dirty="0"/>
           </a:p>
@@ -1119,7 +1125,7 @@
           <a:p>
             <a:fld id="{D18B56EA-E28F-4F92-9F16-7A6F2501B303}" type="datetime8">
               <a:rPr lang="en-US" smtClean="0"/>
-              <a:t>12/20/18 12:59 PM</a:t>
+              <a:t>12/20/2018 9:17 PM</a:t>
             </a:fld>
             <a:endParaRPr lang="en-US" dirty="0"/>
           </a:p>
@@ -1624,7 +1630,7 @@
           <a:p>
             <a:fld id="{D18B56EA-E28F-4F92-9F16-7A6F2501B303}" type="datetime8">
               <a:rPr lang="en-US" smtClean="0"/>
-              <a:t>12/20/18 12:59 PM</a:t>
+              <a:t>12/20/2018 9:17 PM</a:t>
             </a:fld>
             <a:endParaRPr lang="en-US" dirty="0"/>
           </a:p>
@@ -1805,7 +1811,7 @@
           <a:p>
             <a:fld id="{D18B56EA-E28F-4F92-9F16-7A6F2501B303}" type="datetime8">
               <a:rPr lang="en-US" smtClean="0"/>
-              <a:t>12/20/18 12:59 PM</a:t>
+              <a:t>12/20/2018 9:17 PM</a:t>
             </a:fld>
             <a:endParaRPr lang="en-US" dirty="0"/>
           </a:p>
@@ -1986,7 +1992,7 @@
           <a:p>
             <a:fld id="{D18B56EA-E28F-4F92-9F16-7A6F2501B303}" type="datetime8">
               <a:rPr lang="en-US" smtClean="0"/>
-              <a:t>12/20/18 12:59 PM</a:t>
+              <a:t>12/20/2018 9:17 PM</a:t>
             </a:fld>
             <a:endParaRPr lang="en-US" dirty="0"/>
           </a:p>
@@ -2167,7 +2173,7 @@
           <a:p>
             <a:fld id="{D18B56EA-E28F-4F92-9F16-7A6F2501B303}" type="datetime8">
               <a:rPr lang="en-US" smtClean="0"/>
-              <a:t>12/20/18 12:59 PM</a:t>
+              <a:t>12/20/2018 9:17 PM</a:t>
             </a:fld>
             <a:endParaRPr lang="en-US" dirty="0"/>
           </a:p>
@@ -6446,7 +6452,7 @@
           <a:lstStyle/>
           <a:p>
             <a:r>
-              <a:rPr lang="en-US"/>
+              <a:rPr lang="en-US" dirty="0"/>
               <a:t>Click icon to add table</a:t>
             </a:r>
           </a:p>
@@ -6867,8 +6873,8 @@
 </file>
 
 <file path=ppt/slideLayouts/slideLayout26.xml><?xml version="1.0" encoding="utf-8"?>
-<p:sldLayout xmlns:a="http://schemas.openxmlformats.org/drawingml/2006/main" xmlns:r="http://schemas.openxmlformats.org/officeDocument/2006/relationships" xmlns:p="http://schemas.openxmlformats.org/presentationml/2006/main" preserve="1" userDrawn="1">
-  <p:cSld name="1_Developer Code Layout">
+<p:sldLayout xmlns:a="http://schemas.openxmlformats.org/drawingml/2006/main" xmlns:r="http://schemas.openxmlformats.org/officeDocument/2006/relationships" xmlns:p="http://schemas.openxmlformats.org/presentationml/2006/main" userDrawn="1">
+  <p:cSld name="Developer Code Layout">
     <p:spTree>
       <p:nvGrpSpPr>
         <p:cNvPr id="1" name=""/>
@@ -7163,7 +7169,7 @@
     </p:spTree>
     <p:extLst>
       <p:ext uri="{BB962C8B-B14F-4D97-AF65-F5344CB8AC3E}">
-        <p14:creationId xmlns:p14="http://schemas.microsoft.com/office/powerpoint/2010/main" val="111627568"/>
+        <p14:creationId xmlns:p14="http://schemas.microsoft.com/office/powerpoint/2010/main" val="2517332202"/>
       </p:ext>
     </p:extLst>
   </p:cSld>
@@ -7177,7 +7183,7 @@
 </file>
 
 <file path=ppt/slideLayouts/slideLayout27.xml><?xml version="1.0" encoding="utf-8"?>
-<p:sldLayout xmlns:a="http://schemas.openxmlformats.org/drawingml/2006/main" xmlns:r="http://schemas.openxmlformats.org/officeDocument/2006/relationships" xmlns:p="http://schemas.openxmlformats.org/presentationml/2006/main" preserve="1" userDrawn="1">
+<p:sldLayout xmlns:a="http://schemas.openxmlformats.org/drawingml/2006/main" xmlns:r="http://schemas.openxmlformats.org/officeDocument/2006/relationships" xmlns:p="http://schemas.openxmlformats.org/presentationml/2006/main" userDrawn="1">
   <p:cSld name="Title &amp; 2-color Non-bulleted text">
     <p:spTree>
       <p:nvGrpSpPr>
@@ -7320,7 +7326,7 @@
     </p:spTree>
     <p:extLst>
       <p:ext uri="{BB962C8B-B14F-4D97-AF65-F5344CB8AC3E}">
-        <p14:creationId xmlns:p14="http://schemas.microsoft.com/office/powerpoint/2010/main" val="1190654524"/>
+        <p14:creationId xmlns:p14="http://schemas.microsoft.com/office/powerpoint/2010/main" val="3845859015"/>
       </p:ext>
     </p:extLst>
   </p:cSld>
@@ -7334,8 +7340,8 @@
 </file>
 
 <file path=ppt/slideLayouts/slideLayout28.xml><?xml version="1.0" encoding="utf-8"?>
-<p:sldLayout xmlns:a="http://schemas.openxmlformats.org/drawingml/2006/main" xmlns:r="http://schemas.openxmlformats.org/officeDocument/2006/relationships" xmlns:p="http://schemas.openxmlformats.org/presentationml/2006/main" preserve="1" userDrawn="1">
-  <p:cSld name="1_Title and Content">
+<p:sldLayout xmlns:a="http://schemas.openxmlformats.org/drawingml/2006/main" xmlns:r="http://schemas.openxmlformats.org/officeDocument/2006/relationships" xmlns:p="http://schemas.openxmlformats.org/presentationml/2006/main" userDrawn="1">
+  <p:cSld name="Title and Content">
     <p:spTree>
       <p:nvGrpSpPr>
         <p:cNvPr id="1" name=""/>
@@ -7469,7 +7475,7 @@
     </p:spTree>
     <p:extLst>
       <p:ext uri="{BB962C8B-B14F-4D97-AF65-F5344CB8AC3E}">
-        <p14:creationId xmlns:p14="http://schemas.microsoft.com/office/powerpoint/2010/main" val="388072062"/>
+        <p14:creationId xmlns:p14="http://schemas.microsoft.com/office/powerpoint/2010/main" val="2439250095"/>
       </p:ext>
     </p:extLst>
   </p:cSld>
@@ -14378,9 +14384,9 @@
     <p:sldLayoutId id="2147484545" r:id="rId23"/>
     <p:sldLayoutId id="2147484546" r:id="rId24"/>
     <p:sldLayoutId id="2147484299" r:id="rId25"/>
-    <p:sldLayoutId id="2147484559" r:id="rId26"/>
-    <p:sldLayoutId id="2147484560" r:id="rId27"/>
-    <p:sldLayoutId id="2147484561" r:id="rId28"/>
+    <p:sldLayoutId id="2147484552" r:id="rId26"/>
+    <p:sldLayoutId id="2147484556" r:id="rId27"/>
+    <p:sldLayoutId id="2147484559" r:id="rId28"/>
   </p:sldLayoutIdLst>
   <p:transition>
     <p:fade/>
@@ -16159,7 +16165,10 @@
             <a:r>
               <a:rPr lang="en-US" sz="1600" dirty="0">
                 <a:solidFill>
-                  <a:schemeClr val="bg1"/>
+                  <a:schemeClr val="tx1">
+                    <a:lumMod val="75000"/>
+                    <a:lumOff val="25000"/>
+                  </a:schemeClr>
                 </a:solidFill>
               </a:rPr>
               <a:t>https://github.com/SharePoint/sp-dev-fx-webparts/tree/master/samples/react-custompropertypanecontrols </a:t>
@@ -17035,7 +17044,7 @@
     </p:spTree>
     <p:extLst>
       <p:ext uri="{BB962C8B-B14F-4D97-AF65-F5344CB8AC3E}">
-        <p14:creationId xmlns:p14="http://schemas.microsoft.com/office/powerpoint/2010/main" val="1745997778"/>
+        <p14:creationId xmlns:p14="http://schemas.microsoft.com/office/powerpoint/2010/main" val="3806024751"/>
       </p:ext>
     </p:extLst>
   </p:cSld>

--- a/02 customprops.pptx
+++ b/02 customprops.pptx
@@ -264,7 +264,7 @@
               <a:rPr lang="en-US" smtClean="0">
                 <a:latin typeface="Segoe UI" pitchFamily="34" charset="0"/>
               </a:rPr>
-              <a:t>12/20/2018 9:17 PM</a:t>
+              <a:t>1/7/19 3:47 PM</a:t>
             </a:fld>
             <a:endParaRPr lang="en-US" dirty="0">
               <a:latin typeface="Segoe UI" pitchFamily="34" charset="0"/>
@@ -561,7 +561,7 @@
           <a:p>
             <a:fld id="{D18B56EA-E28F-4F92-9F16-7A6F2501B303}" type="datetime8">
               <a:rPr lang="en-US" smtClean="0"/>
-              <a:t>12/20/2018 9:17 PM</a:t>
+              <a:t>1/7/19 3:47 PM</a:t>
             </a:fld>
             <a:endParaRPr lang="en-US" dirty="0"/>
           </a:p>
@@ -944,7 +944,7 @@
           <a:p>
             <a:fld id="{D18B56EA-E28F-4F92-9F16-7A6F2501B303}" type="datetime8">
               <a:rPr lang="en-US" smtClean="0"/>
-              <a:t>12/20/2018 9:17 PM</a:t>
+              <a:t>1/7/19 3:47 PM</a:t>
             </a:fld>
             <a:endParaRPr lang="en-US" dirty="0"/>
           </a:p>
@@ -1125,7 +1125,7 @@
           <a:p>
             <a:fld id="{D18B56EA-E28F-4F92-9F16-7A6F2501B303}" type="datetime8">
               <a:rPr lang="en-US" smtClean="0"/>
-              <a:t>12/20/2018 9:17 PM</a:t>
+              <a:t>1/7/19 3:47 PM</a:t>
             </a:fld>
             <a:endParaRPr lang="en-US" dirty="0"/>
           </a:p>
@@ -1630,7 +1630,7 @@
           <a:p>
             <a:fld id="{D18B56EA-E28F-4F92-9F16-7A6F2501B303}" type="datetime8">
               <a:rPr lang="en-US" smtClean="0"/>
-              <a:t>12/20/2018 9:17 PM</a:t>
+              <a:t>1/7/19 3:47 PM</a:t>
             </a:fld>
             <a:endParaRPr lang="en-US" dirty="0"/>
           </a:p>
@@ -1811,7 +1811,7 @@
           <a:p>
             <a:fld id="{D18B56EA-E28F-4F92-9F16-7A6F2501B303}" type="datetime8">
               <a:rPr lang="en-US" smtClean="0"/>
-              <a:t>12/20/2018 9:17 PM</a:t>
+              <a:t>1/7/19 3:47 PM</a:t>
             </a:fld>
             <a:endParaRPr lang="en-US" dirty="0"/>
           </a:p>
@@ -1992,7 +1992,7 @@
           <a:p>
             <a:fld id="{D18B56EA-E28F-4F92-9F16-7A6F2501B303}" type="datetime8">
               <a:rPr lang="en-US" smtClean="0"/>
-              <a:t>12/20/2018 9:17 PM</a:t>
+              <a:t>1/7/19 3:47 PM</a:t>
             </a:fld>
             <a:endParaRPr lang="en-US" dirty="0"/>
           </a:p>
@@ -2173,7 +2173,7 @@
           <a:p>
             <a:fld id="{D18B56EA-E28F-4F92-9F16-7A6F2501B303}" type="datetime8">
               <a:rPr lang="en-US" smtClean="0"/>
-              <a:t>12/20/2018 9:17 PM</a:t>
+              <a:t>1/7/19 3:47 PM</a:t>
             </a:fld>
             <a:endParaRPr lang="en-US" dirty="0"/>
           </a:p>
@@ -15531,7 +15531,7 @@
         <p:spPr>
           <a:xfrm>
             <a:off x="464400" y="1212850"/>
-            <a:ext cx="11574000" cy="2400657"/>
+            <a:ext cx="11574000" cy="3213187"/>
           </a:xfrm>
         </p:spPr>
         <p:txBody>
@@ -15540,8 +15540,18 @@
           <a:p>
             <a:r>
               <a:rPr lang="en-US" dirty="0"/>
-              <a:t>Define an interface in your web part that includes one or more target properties</a:t>
-            </a:r>
+              <a:t>Define an interface in your web part that includes one or </a:t>
+            </a:r>
+            <a:br>
+              <a:rPr lang="en-US" dirty="0"/>
+            </a:br>
+            <a:r>
+              <a:rPr lang="en-US" dirty="0"/>
+              <a:t>more target properties</a:t>
+            </a:r>
+          </a:p>
+          <a:p>
+            <a:endParaRPr lang="en-US" dirty="0"/>
           </a:p>
           <a:p>
             <a:r>
@@ -15559,6 +15569,12 @@
               <a:rPr lang="en-US" dirty="0"/>
               <a:t> field type in the web part class</a:t>
             </a:r>
+          </a:p>
+          <a:p>
+            <a:endParaRPr lang="en-US" dirty="0">
+              <a:latin typeface="Courier New" panose="02070309020205020404" pitchFamily="49" charset="0"/>
+              <a:cs typeface="Courier New" panose="02070309020205020404" pitchFamily="49" charset="0"/>
+            </a:endParaRPr>
           </a:p>
           <a:p>
             <a:r>

--- a/02 customprops.pptx
+++ b/02 customprops.pptx
@@ -264,7 +264,7 @@
               <a:rPr lang="en-US" smtClean="0">
                 <a:latin typeface="Segoe UI" pitchFamily="34" charset="0"/>
               </a:rPr>
-              <a:t>1/7/19 3:47 PM</a:t>
+              <a:t>3/2/2019 4:54 PM</a:t>
             </a:fld>
             <a:endParaRPr lang="en-US" dirty="0">
               <a:latin typeface="Segoe UI" pitchFamily="34" charset="0"/>
@@ -561,7 +561,7 @@
           <a:p>
             <a:fld id="{D18B56EA-E28F-4F92-9F16-7A6F2501B303}" type="datetime8">
               <a:rPr lang="en-US" smtClean="0"/>
-              <a:t>1/7/19 3:47 PM</a:t>
+              <a:t>3/2/2019 4:54 PM</a:t>
             </a:fld>
             <a:endParaRPr lang="en-US" dirty="0"/>
           </a:p>
@@ -944,7 +944,7 @@
           <a:p>
             <a:fld id="{D18B56EA-E28F-4F92-9F16-7A6F2501B303}" type="datetime8">
               <a:rPr lang="en-US" smtClean="0"/>
-              <a:t>1/7/19 3:47 PM</a:t>
+              <a:t>3/2/2019 4:54 PM</a:t>
             </a:fld>
             <a:endParaRPr lang="en-US" dirty="0"/>
           </a:p>
@@ -1125,7 +1125,7 @@
           <a:p>
             <a:fld id="{D18B56EA-E28F-4F92-9F16-7A6F2501B303}" type="datetime8">
               <a:rPr lang="en-US" smtClean="0"/>
-              <a:t>1/7/19 3:47 PM</a:t>
+              <a:t>3/2/2019 4:54 PM</a:t>
             </a:fld>
             <a:endParaRPr lang="en-US" dirty="0"/>
           </a:p>
@@ -1630,7 +1630,7 @@
           <a:p>
             <a:fld id="{D18B56EA-E28F-4F92-9F16-7A6F2501B303}" type="datetime8">
               <a:rPr lang="en-US" smtClean="0"/>
-              <a:t>1/7/19 3:47 PM</a:t>
+              <a:t>3/2/2019 4:54 PM</a:t>
             </a:fld>
             <a:endParaRPr lang="en-US" dirty="0"/>
           </a:p>
@@ -1811,7 +1811,7 @@
           <a:p>
             <a:fld id="{D18B56EA-E28F-4F92-9F16-7A6F2501B303}" type="datetime8">
               <a:rPr lang="en-US" smtClean="0"/>
-              <a:t>1/7/19 3:47 PM</a:t>
+              <a:t>3/2/2019 4:54 PM</a:t>
             </a:fld>
             <a:endParaRPr lang="en-US" dirty="0"/>
           </a:p>
@@ -1992,7 +1992,7 @@
           <a:p>
             <a:fld id="{D18B56EA-E28F-4F92-9F16-7A6F2501B303}" type="datetime8">
               <a:rPr lang="en-US" smtClean="0"/>
-              <a:t>1/7/19 3:47 PM</a:t>
+              <a:t>3/2/2019 4:54 PM</a:t>
             </a:fld>
             <a:endParaRPr lang="en-US" dirty="0"/>
           </a:p>
@@ -2173,7 +2173,7 @@
           <a:p>
             <a:fld id="{D18B56EA-E28F-4F92-9F16-7A6F2501B303}" type="datetime8">
               <a:rPr lang="en-US" smtClean="0"/>
-              <a:t>1/7/19 3:47 PM</a:t>
+              <a:t>3/2/2019 4:54 PM</a:t>
             </a:fld>
             <a:endParaRPr lang="en-US" dirty="0"/>
           </a:p>
@@ -16186,8 +16186,20 @@
                     <a:lumOff val="25000"/>
                   </a:schemeClr>
                 </a:solidFill>
+                <a:hlinkClick r:id="rId5"/>
               </a:rPr>
-              <a:t>https://github.com/SharePoint/sp-dev-fx-webparts/tree/master/samples/react-custompropertypanecontrols </a:t>
+              <a:t>https://github.com/SharePoint/sp-dev-fx-webparts/tree/master/samples/react-custompropertypanecontrols</a:t>
+            </a:r>
+            <a:r>
+              <a:rPr lang="en-US" sz="1600" dirty="0">
+                <a:solidFill>
+                  <a:schemeClr val="tx1">
+                    <a:lumMod val="75000"/>
+                    <a:lumOff val="25000"/>
+                  </a:schemeClr>
+                </a:solidFill>
+              </a:rPr>
+              <a:t>  </a:t>
             </a:r>
           </a:p>
         </p:txBody>
@@ -16907,7 +16919,7 @@
               <a:rPr lang="en-US" sz="1800" dirty="0">
                 <a:latin typeface="+mj-lt"/>
               </a:rPr>
-              <a:t>SharePoint Framework</a:t>
+              <a:t>Overview of the SharePoint Framework</a:t>
             </a:r>
           </a:p>
           <a:p>
@@ -16926,7 +16938,7 @@
                 <a:latin typeface="+mj-lt"/>
                 <a:hlinkClick r:id="rId3"/>
               </a:rPr>
-              <a:t>https://docs.microsoft.com/sharepoint/dev/spfx</a:t>
+              <a:t>https://docs.microsoft.com/sharepoint/dev/spfx/sharepoint-framework-overview</a:t>
             </a:r>
             <a:endParaRPr lang="en-US" sz="1800" dirty="0">
               <a:latin typeface="+mj-lt"/>

--- a/02 customprops.pptx
+++ b/02 customprops.pptx
@@ -264,7 +264,7 @@
               <a:rPr lang="en-US" smtClean="0">
                 <a:latin typeface="Segoe UI" pitchFamily="34" charset="0"/>
               </a:rPr>
-              <a:t>3/2/2019 4:54 PM</a:t>
+              <a:t>8/31/2019 10:34 AM</a:t>
             </a:fld>
             <a:endParaRPr lang="en-US" dirty="0">
               <a:latin typeface="Segoe UI" pitchFamily="34" charset="0"/>
@@ -561,7 +561,7 @@
           <a:p>
             <a:fld id="{D18B56EA-E28F-4F92-9F16-7A6F2501B303}" type="datetime8">
               <a:rPr lang="en-US" smtClean="0"/>
-              <a:t>3/2/2019 4:54 PM</a:t>
+              <a:t>8/31/2019 10:34 AM</a:t>
             </a:fld>
             <a:endParaRPr lang="en-US" dirty="0"/>
           </a:p>
@@ -944,7 +944,7 @@
           <a:p>
             <a:fld id="{D18B56EA-E28F-4F92-9F16-7A6F2501B303}" type="datetime8">
               <a:rPr lang="en-US" smtClean="0"/>
-              <a:t>3/2/2019 4:54 PM</a:t>
+              <a:t>8/31/2019 10:34 AM</a:t>
             </a:fld>
             <a:endParaRPr lang="en-US" dirty="0"/>
           </a:p>
@@ -1125,7 +1125,7 @@
           <a:p>
             <a:fld id="{D18B56EA-E28F-4F92-9F16-7A6F2501B303}" type="datetime8">
               <a:rPr lang="en-US" smtClean="0"/>
-              <a:t>3/2/2019 4:54 PM</a:t>
+              <a:t>8/31/2019 10:34 AM</a:t>
             </a:fld>
             <a:endParaRPr lang="en-US" dirty="0"/>
           </a:p>
@@ -1630,7 +1630,7 @@
           <a:p>
             <a:fld id="{D18B56EA-E28F-4F92-9F16-7A6F2501B303}" type="datetime8">
               <a:rPr lang="en-US" smtClean="0"/>
-              <a:t>3/2/2019 4:54 PM</a:t>
+              <a:t>8/31/2019 10:34 AM</a:t>
             </a:fld>
             <a:endParaRPr lang="en-US" dirty="0"/>
           </a:p>
@@ -1811,7 +1811,7 @@
           <a:p>
             <a:fld id="{D18B56EA-E28F-4F92-9F16-7A6F2501B303}" type="datetime8">
               <a:rPr lang="en-US" smtClean="0"/>
-              <a:t>3/2/2019 4:54 PM</a:t>
+              <a:t>8/31/2019 10:34 AM</a:t>
             </a:fld>
             <a:endParaRPr lang="en-US" dirty="0"/>
           </a:p>
@@ -1992,7 +1992,7 @@
           <a:p>
             <a:fld id="{D18B56EA-E28F-4F92-9F16-7A6F2501B303}" type="datetime8">
               <a:rPr lang="en-US" smtClean="0"/>
-              <a:t>3/2/2019 4:54 PM</a:t>
+              <a:t>8/31/2019 10:34 AM</a:t>
             </a:fld>
             <a:endParaRPr lang="en-US" dirty="0"/>
           </a:p>
@@ -2173,7 +2173,7 @@
           <a:p>
             <a:fld id="{D18B56EA-E28F-4F92-9F16-7A6F2501B303}" type="datetime8">
               <a:rPr lang="en-US" smtClean="0"/>
-              <a:t>3/2/2019 4:54 PM</a:t>
+              <a:t>8/31/2019 10:34 AM</a:t>
             </a:fld>
             <a:endParaRPr lang="en-US" dirty="0"/>
           </a:p>
@@ -15479,6 +15479,36 @@
           <a:xfrm>
             <a:off x="5753124" y="1212849"/>
             <a:ext cx="6408712" cy="4972421"/>
+          </a:xfrm>
+          <a:prstGeom prst="rect">
+            <a:avLst/>
+          </a:prstGeom>
+        </p:spPr>
+      </p:pic>
+      <p:pic>
+        <p:nvPicPr>
+          <p:cNvPr id="10" name="Picture 9">
+            <a:extLst>
+              <a:ext uri="{FF2B5EF4-FFF2-40B4-BE49-F238E27FC236}">
+                <a16:creationId xmlns:a16="http://schemas.microsoft.com/office/drawing/2014/main" id="{F3071F00-C61E-484F-9708-98C517B9724F}"/>
+              </a:ext>
+            </a:extLst>
+          </p:cNvPr>
+          <p:cNvPicPr>
+            <a:picLocks noChangeAspect="1"/>
+          </p:cNvPicPr>
+          <p:nvPr/>
+        </p:nvPicPr>
+        <p:blipFill>
+          <a:blip r:embed="rId4"/>
+          <a:stretch>
+            <a:fillRect/>
+          </a:stretch>
+        </p:blipFill>
+        <p:spPr>
+          <a:xfrm>
+            <a:off x="5792879" y="1611474"/>
+            <a:ext cx="3581710" cy="297206"/>
           </a:xfrm>
           <a:prstGeom prst="rect">
             <a:avLst/>

--- a/02 customprops.pptx
+++ b/02 customprops.pptx
@@ -264,7 +264,7 @@
               <a:rPr lang="en-US" smtClean="0">
                 <a:latin typeface="Segoe UI" pitchFamily="34" charset="0"/>
               </a:rPr>
-              <a:t>8/31/2019 10:34 AM</a:t>
+              <a:t>2/27/20 2:31 PM</a:t>
             </a:fld>
             <a:endParaRPr lang="en-US" dirty="0">
               <a:latin typeface="Segoe UI" pitchFamily="34" charset="0"/>
@@ -561,7 +561,7 @@
           <a:p>
             <a:fld id="{D18B56EA-E28F-4F92-9F16-7A6F2501B303}" type="datetime8">
               <a:rPr lang="en-US" smtClean="0"/>
-              <a:t>8/31/2019 10:34 AM</a:t>
+              <a:t>2/27/20 2:31 PM</a:t>
             </a:fld>
             <a:endParaRPr lang="en-US" dirty="0"/>
           </a:p>
@@ -944,7 +944,7 @@
           <a:p>
             <a:fld id="{D18B56EA-E28F-4F92-9F16-7A6F2501B303}" type="datetime8">
               <a:rPr lang="en-US" smtClean="0"/>
-              <a:t>8/31/2019 10:34 AM</a:t>
+              <a:t>2/27/20 2:31 PM</a:t>
             </a:fld>
             <a:endParaRPr lang="en-US" dirty="0"/>
           </a:p>
@@ -978,6 +978,187 @@
     <p:extLst>
       <p:ext uri="{BB962C8B-B14F-4D97-AF65-F5344CB8AC3E}">
         <p14:creationId xmlns:p14="http://schemas.microsoft.com/office/powerpoint/2010/main" val="909857904"/>
+      </p:ext>
+    </p:extLst>
+  </p:cSld>
+  <p:clrMapOvr>
+    <a:masterClrMapping/>
+  </p:clrMapOvr>
+</p:notes>
+</file>
+
+<file path=ppt/notesSlides/notesSlide10.xml><?xml version="1.0" encoding="utf-8"?>
+<p:notes xmlns:a="http://schemas.openxmlformats.org/drawingml/2006/main" xmlns:r="http://schemas.openxmlformats.org/officeDocument/2006/relationships" xmlns:p="http://schemas.openxmlformats.org/presentationml/2006/main">
+  <p:cSld>
+    <p:spTree>
+      <p:nvGrpSpPr>
+        <p:cNvPr id="1" name=""/>
+        <p:cNvGrpSpPr/>
+        <p:nvPr/>
+      </p:nvGrpSpPr>
+      <p:grpSpPr>
+        <a:xfrm>
+          <a:off x="0" y="0"/>
+          <a:ext cx="0" cy="0"/>
+          <a:chOff x="0" y="0"/>
+          <a:chExt cx="0" cy="0"/>
+        </a:xfrm>
+      </p:grpSpPr>
+      <p:sp>
+        <p:nvSpPr>
+          <p:cNvPr id="2" name="Slide Image Placeholder 1"/>
+          <p:cNvSpPr>
+            <a:spLocks noGrp="1" noRot="1" noChangeAspect="1"/>
+          </p:cNvSpPr>
+          <p:nvPr>
+            <p:ph type="sldImg"/>
+          </p:nvPr>
+        </p:nvSpPr>
+        <p:spPr/>
+      </p:sp>
+      <p:sp>
+        <p:nvSpPr>
+          <p:cNvPr id="3" name="Notes Placeholder 2"/>
+          <p:cNvSpPr>
+            <a:spLocks noGrp="1"/>
+          </p:cNvSpPr>
+          <p:nvPr>
+            <p:ph type="body" idx="1"/>
+          </p:nvPr>
+        </p:nvSpPr>
+        <p:spPr/>
+        <p:txBody>
+          <a:bodyPr/>
+          <a:lstStyle/>
+          <a:p>
+            <a:endParaRPr lang="en-US"/>
+          </a:p>
+        </p:txBody>
+      </p:sp>
+      <p:sp>
+        <p:nvSpPr>
+          <p:cNvPr id="4" name="Header Placeholder 3"/>
+          <p:cNvSpPr>
+            <a:spLocks noGrp="1"/>
+          </p:cNvSpPr>
+          <p:nvPr>
+            <p:ph type="hdr" sz="quarter" idx="10"/>
+          </p:nvPr>
+        </p:nvSpPr>
+        <p:spPr/>
+        <p:txBody>
+          <a:bodyPr/>
+          <a:lstStyle/>
+          <a:p>
+            <a:endParaRPr lang="en-US" dirty="0"/>
+          </a:p>
+        </p:txBody>
+      </p:sp>
+      <p:sp>
+        <p:nvSpPr>
+          <p:cNvPr id="5" name="Footer Placeholder 4"/>
+          <p:cNvSpPr>
+            <a:spLocks noGrp="1"/>
+          </p:cNvSpPr>
+          <p:nvPr>
+            <p:ph type="ftr" sz="quarter" idx="11"/>
+          </p:nvPr>
+        </p:nvSpPr>
+        <p:spPr/>
+        <p:txBody>
+          <a:bodyPr/>
+          <a:lstStyle/>
+          <a:p>
+            <a:pPr defTabSz="914099" eaLnBrk="0" hangingPunct="0"/>
+            <a:r>
+              <a:rPr lang="en-US" sz="400">
+                <a:gradFill>
+                  <a:gsLst>
+                    <a:gs pos="0">
+                      <a:prstClr val="black"/>
+                    </a:gs>
+                    <a:gs pos="100000">
+                      <a:prstClr val="black"/>
+                    </a:gs>
+                  </a:gsLst>
+                  <a:lin ang="5400000" scaled="0"/>
+                </a:gradFill>
+                <a:latin typeface="Segoe UI" pitchFamily="34" charset="0"/>
+                <a:ea typeface="Segoe UI" pitchFamily="34" charset="0"/>
+                <a:cs typeface="Segoe UI" pitchFamily="34" charset="0"/>
+              </a:rPr>
+              <a:t>© Microsoft Corporation. All rights reserved. MICROSOFT MAKES NO WARRANTIES, EXPRESS, IMPLIED OR STATUTORY, AS TO THE INFORMATION IN THIS PRESENTATION.</a:t>
+            </a:r>
+            <a:endParaRPr lang="en-US" sz="400" dirty="0">
+              <a:gradFill>
+                <a:gsLst>
+                  <a:gs pos="0">
+                    <a:prstClr val="black"/>
+                  </a:gs>
+                  <a:gs pos="100000">
+                    <a:prstClr val="black"/>
+                  </a:gs>
+                </a:gsLst>
+                <a:lin ang="5400000" scaled="0"/>
+              </a:gradFill>
+              <a:latin typeface="Segoe UI" pitchFamily="34" charset="0"/>
+              <a:ea typeface="Segoe UI" pitchFamily="34" charset="0"/>
+              <a:cs typeface="Segoe UI" pitchFamily="34" charset="0"/>
+            </a:endParaRPr>
+          </a:p>
+        </p:txBody>
+      </p:sp>
+      <p:sp>
+        <p:nvSpPr>
+          <p:cNvPr id="6" name="Date Placeholder 5"/>
+          <p:cNvSpPr>
+            <a:spLocks noGrp="1"/>
+          </p:cNvSpPr>
+          <p:nvPr>
+            <p:ph type="dt" idx="12"/>
+          </p:nvPr>
+        </p:nvSpPr>
+        <p:spPr/>
+        <p:txBody>
+          <a:bodyPr/>
+          <a:lstStyle/>
+          <a:p>
+            <a:fld id="{D18B56EA-E28F-4F92-9F16-7A6F2501B303}" type="datetime8">
+              <a:rPr lang="en-US" smtClean="0"/>
+              <a:t>2/27/20 2:31 PM</a:t>
+            </a:fld>
+            <a:endParaRPr lang="en-US" dirty="0"/>
+          </a:p>
+        </p:txBody>
+      </p:sp>
+      <p:sp>
+        <p:nvSpPr>
+          <p:cNvPr id="7" name="Slide Number Placeholder 6"/>
+          <p:cNvSpPr>
+            <a:spLocks noGrp="1"/>
+          </p:cNvSpPr>
+          <p:nvPr>
+            <p:ph type="sldNum" sz="quarter" idx="13"/>
+          </p:nvPr>
+        </p:nvSpPr>
+        <p:spPr/>
+        <p:txBody>
+          <a:bodyPr/>
+          <a:lstStyle/>
+          <a:p>
+            <a:fld id="{B4008EB6-D09E-4580-8CD6-DDB14511944F}" type="slidenum">
+              <a:rPr lang="en-US" smtClean="0"/>
+              <a:pPr/>
+              <a:t>11</a:t>
+            </a:fld>
+            <a:endParaRPr lang="en-US" dirty="0"/>
+          </a:p>
+        </p:txBody>
+      </p:sp>
+    </p:spTree>
+    <p:extLst>
+      <p:ext uri="{BB962C8B-B14F-4D97-AF65-F5344CB8AC3E}">
+        <p14:creationId xmlns:p14="http://schemas.microsoft.com/office/powerpoint/2010/main" val="1685519606"/>
       </p:ext>
     </p:extLst>
   </p:cSld>
@@ -1031,7 +1212,10 @@
           <a:bodyPr/>
           <a:lstStyle/>
           <a:p>
-            <a:endParaRPr lang="en-US"/>
+            <a:r>
+              <a:rPr lang="en-US" dirty="0"/>
+              <a:t>In this unit, you'll learn about custom property pane controls for client-side web parts.</a:t>
+            </a:r>
           </a:p>
         </p:txBody>
       </p:sp>
@@ -1125,7 +1309,7 @@
           <a:p>
             <a:fld id="{D18B56EA-E28F-4F92-9F16-7A6F2501B303}" type="datetime8">
               <a:rPr lang="en-US" smtClean="0"/>
-              <a:t>8/31/2019 10:34 AM</a:t>
+              <a:t>2/27/20 3:25 PM</a:t>
             </a:fld>
             <a:endParaRPr lang="en-US" dirty="0"/>
           </a:p>
@@ -1212,7 +1396,67 @@
           <a:bodyPr/>
           <a:lstStyle/>
           <a:p>
-            <a:endParaRPr lang="en-US"/>
+            <a:r>
+              <a:rPr lang="en-US" dirty="0"/>
+              <a:t>The SharePoint Framework API for client-side web parts includes the following property pane field controls you can use in your custom web parts:</a:t>
+            </a:r>
+          </a:p>
+          <a:p>
+            <a:endParaRPr lang="en-US" dirty="0"/>
+          </a:p>
+          <a:p>
+            <a:r>
+              <a:rPr lang="en-US" dirty="0"/>
+              <a:t>- label</a:t>
+            </a:r>
+          </a:p>
+          <a:p>
+            <a:r>
+              <a:rPr lang="en-US" dirty="0"/>
+              <a:t>- textbox</a:t>
+            </a:r>
+          </a:p>
+          <a:p>
+            <a:r>
+              <a:rPr lang="en-US" dirty="0"/>
+              <a:t>- checkbox</a:t>
+            </a:r>
+          </a:p>
+          <a:p>
+            <a:r>
+              <a:rPr lang="en-US" dirty="0"/>
+              <a:t>- dropdown</a:t>
+            </a:r>
+          </a:p>
+          <a:p>
+            <a:r>
+              <a:rPr lang="en-US" dirty="0"/>
+              <a:t>- link</a:t>
+            </a:r>
+          </a:p>
+          <a:p>
+            <a:r>
+              <a:rPr lang="en-US" dirty="0"/>
+              <a:t>- slider</a:t>
+            </a:r>
+          </a:p>
+          <a:p>
+            <a:r>
+              <a:rPr lang="en-US" dirty="0"/>
+              <a:t>- toggle</a:t>
+            </a:r>
+          </a:p>
+          <a:p>
+            <a:endParaRPr lang="en-US" dirty="0"/>
+          </a:p>
+          <a:p>
+            <a:r>
+              <a:rPr lang="en-US" dirty="0"/>
+              <a:t>Developers can also create custom field controls for more complex scenarios. For example, maybe you want to implement a cascading dropdown where the selection of the first control impacts the available choices on the second selector.</a:t>
+            </a:r>
+          </a:p>
+          <a:p>
+            <a:endParaRPr lang="en-US" dirty="0"/>
           </a:p>
         </p:txBody>
       </p:sp>
@@ -1374,6 +1618,45 @@
           <a:bodyPr/>
           <a:lstStyle/>
           <a:p>
+            <a:r>
+              <a:rPr lang="en-US" dirty="0"/>
+              <a:t>To implement a custom property pane field control, you will first import the `</a:t>
+            </a:r>
+            <a:r>
+              <a:rPr lang="en-US" dirty="0" err="1"/>
+              <a:t>PropertyPaneCustomField</a:t>
+            </a:r>
+            <a:r>
+              <a:rPr lang="en-US" dirty="0"/>
+              <a:t>` class from the **@</a:t>
+            </a:r>
+            <a:r>
+              <a:rPr lang="en-US" dirty="0" err="1"/>
+              <a:t>microsoft</a:t>
+            </a:r>
+            <a:r>
+              <a:rPr lang="en-US" dirty="0"/>
+              <a:t>/</a:t>
+            </a:r>
+            <a:r>
+              <a:rPr lang="en-US" dirty="0" err="1"/>
+              <a:t>sp</a:t>
+            </a:r>
+            <a:r>
+              <a:rPr lang="en-US" dirty="0"/>
+              <a:t>-webpart-base** class.</a:t>
+            </a:r>
+          </a:p>
+          <a:p>
+            <a:endParaRPr lang="en-US" dirty="0"/>
+          </a:p>
+          <a:p>
+            <a:r>
+              <a:rPr lang="en-US" dirty="0"/>
+              <a:t>Next, add a property to your web part's interface and map it to the field control. Do this the same way you map one of the provided controls to a property: specify the property by name as the first argument in the control:</a:t>
+            </a:r>
+          </a:p>
+          <a:p>
             <a:endParaRPr lang="en-US" dirty="0"/>
           </a:p>
         </p:txBody>
@@ -1385,7 +1668,7 @@
             <a:spLocks noGrp="1"/>
           </p:cNvSpPr>
           <p:nvPr>
-            <p:ph type="hdr" sz="quarter" idx="10"/>
+            <p:ph type="hdr" sz="quarter"/>
           </p:nvPr>
         </p:nvSpPr>
         <p:spPr/>
@@ -1395,7 +1678,7 @@
           <a:p>
             <a:r>
               <a:rPr lang="en-US"/>
-              <a:t>SharePoint</a:t>
+              <a:t>SharePoint Framework</a:t>
             </a:r>
             <a:endParaRPr lang="en-US" dirty="0"/>
           </a:p>
@@ -1408,7 +1691,7 @@
             <a:spLocks noGrp="1"/>
           </p:cNvSpPr>
           <p:nvPr>
-            <p:ph type="ftr" sz="quarter" idx="11"/>
+            <p:ph type="ftr" sz="quarter" idx="4"/>
           </p:nvPr>
         </p:nvSpPr>
         <p:spPr/>
@@ -1416,7 +1699,7 @@
           <a:bodyPr/>
           <a:lstStyle/>
           <a:p>
-            <a:pPr defTabSz="924154" eaLnBrk="0" hangingPunct="0"/>
+            <a:pPr defTabSz="914099" eaLnBrk="0" hangingPunct="0"/>
             <a:r>
               <a:rPr lang="en-US" sz="400">
                 <a:gradFill>
@@ -1434,7 +1717,7 @@
                 <a:ea typeface="Segoe UI" pitchFamily="34" charset="0"/>
                 <a:cs typeface="Segoe UI" pitchFamily="34" charset="0"/>
               </a:rPr>
-              <a:t>© 2016 Microsoft Corporation. All rights reserved. MICROSOFT MAKES NO WARRANTIES, EXPRESS, IMPLIED OR STATUTORY, AS TO THE INFORMATION IN THIS PRESENTATION.</a:t>
+              <a:t>© Microsoft Corporation. All rights reserved. MICROSOFT MAKES NO WARRANTIES, EXPRESS, IMPLIED OR STATUTORY, AS TO THE INFORMATION IN THIS PRESENTATION.</a:t>
             </a:r>
             <a:endParaRPr lang="en-US" sz="400" dirty="0">
               <a:gradFill>
@@ -1457,12 +1740,12 @@
       </p:sp>
       <p:sp>
         <p:nvSpPr>
-          <p:cNvPr id="6" name="Slide Number Placeholder 5"/>
+          <p:cNvPr id="6" name="Date Placeholder 5"/>
           <p:cNvSpPr>
             <a:spLocks noGrp="1"/>
           </p:cNvSpPr>
           <p:nvPr>
-            <p:ph type="sldNum" sz="quarter" idx="12"/>
+            <p:ph type="dt" idx="1"/>
           </p:nvPr>
         </p:nvSpPr>
         <p:spPr/>
@@ -1470,10 +1753,33 @@
           <a:bodyPr/>
           <a:lstStyle/>
           <a:p>
+            <a:fld id="{D18B56EA-E28F-4F92-9F16-7A6F2501B303}" type="datetime8">
+              <a:rPr lang="en-US" smtClean="0"/>
+              <a:t>2/27/20 3:39 PM</a:t>
+            </a:fld>
+            <a:endParaRPr lang="en-US" dirty="0"/>
+          </a:p>
+        </p:txBody>
+      </p:sp>
+      <p:sp>
+        <p:nvSpPr>
+          <p:cNvPr id="7" name="Slide Number Placeholder 6"/>
+          <p:cNvSpPr>
+            <a:spLocks noGrp="1"/>
+          </p:cNvSpPr>
+          <p:nvPr>
+            <p:ph type="sldNum" sz="quarter" idx="5"/>
+          </p:nvPr>
+        </p:nvSpPr>
+        <p:spPr/>
+        <p:txBody>
+          <a:bodyPr/>
+          <a:lstStyle/>
+          <a:p>
             <a:fld id="{B4008EB6-D09E-4580-8CD6-DDB14511944F}" type="slidenum">
               <a:rPr lang="en-US" smtClean="0"/>
               <a:pPr/>
-              <a:t>6</a:t>
+              <a:t>4</a:t>
             </a:fld>
             <a:endParaRPr lang="en-US" dirty="0"/>
           </a:p>
@@ -1482,7 +1788,7 @@
     </p:spTree>
     <p:extLst>
       <p:ext uri="{BB962C8B-B14F-4D97-AF65-F5344CB8AC3E}">
-        <p14:creationId xmlns:p14="http://schemas.microsoft.com/office/powerpoint/2010/main" val="2942624355"/>
+        <p14:creationId xmlns:p14="http://schemas.microsoft.com/office/powerpoint/2010/main" val="1573637088"/>
       </p:ext>
     </p:extLst>
   </p:cSld>
@@ -1536,7 +1842,54 @@
           <a:bodyPr/>
           <a:lstStyle/>
           <a:p>
-            <a:endParaRPr lang="en-US"/>
+            <a:r>
+              <a:rPr lang="en-US" dirty="0"/>
+              <a:t>The `</a:t>
+            </a:r>
+            <a:r>
+              <a:rPr lang="en-US" dirty="0" err="1"/>
+              <a:t>PropertyPaneCustomField</a:t>
+            </a:r>
+            <a:r>
+              <a:rPr lang="en-US" dirty="0"/>
+              <a:t>` field control enables developers to define a custom rendering for the control. To do this, implement a method that accepts a single `</a:t>
+            </a:r>
+            <a:r>
+              <a:rPr lang="en-US" dirty="0" err="1"/>
+              <a:t>HTMLElement</a:t>
+            </a:r>
+            <a:r>
+              <a:rPr lang="en-US" dirty="0"/>
+              <a:t>` parameter. This element is a reference to the `&lt;div&gt;` where the control is rendered on the page.</a:t>
+            </a:r>
+          </a:p>
+          <a:p>
+            <a:endParaRPr lang="en-US" dirty="0"/>
+          </a:p>
+          <a:p>
+            <a:r>
+              <a:rPr lang="en-US" dirty="0"/>
+              <a:t>Finally, bind the function to the `</a:t>
+            </a:r>
+            <a:r>
+              <a:rPr lang="en-US" dirty="0" err="1"/>
+              <a:t>onRender</a:t>
+            </a:r>
+            <a:r>
+              <a:rPr lang="en-US" dirty="0"/>
+              <a:t>` property on the `</a:t>
+            </a:r>
+            <a:r>
+              <a:rPr lang="en-US" dirty="0" err="1"/>
+              <a:t>PropertyPaneCustomField</a:t>
+            </a:r>
+            <a:r>
+              <a:rPr lang="en-US" dirty="0"/>
+              <a:t>` properties:</a:t>
+            </a:r>
+          </a:p>
+          <a:p>
+            <a:endParaRPr lang="en-US" dirty="0"/>
           </a:p>
         </p:txBody>
       </p:sp>
@@ -1547,7 +1900,7 @@
             <a:spLocks noGrp="1"/>
           </p:cNvSpPr>
           <p:nvPr>
-            <p:ph type="hdr" sz="quarter" idx="10"/>
+            <p:ph type="hdr" sz="quarter"/>
           </p:nvPr>
         </p:nvSpPr>
         <p:spPr/>
@@ -1555,6 +1908,10 @@
           <a:bodyPr/>
           <a:lstStyle/>
           <a:p>
+            <a:r>
+              <a:rPr lang="en-US"/>
+              <a:t>SharePoint Framework</a:t>
+            </a:r>
             <a:endParaRPr lang="en-US" dirty="0"/>
           </a:p>
         </p:txBody>
@@ -1566,7 +1923,7 @@
             <a:spLocks noGrp="1"/>
           </p:cNvSpPr>
           <p:nvPr>
-            <p:ph type="ftr" sz="quarter" idx="11"/>
+            <p:ph type="ftr" sz="quarter" idx="4"/>
           </p:nvPr>
         </p:nvSpPr>
         <p:spPr/>
@@ -1620,7 +1977,7 @@
             <a:spLocks noGrp="1"/>
           </p:cNvSpPr>
           <p:nvPr>
-            <p:ph type="dt" idx="12"/>
+            <p:ph type="dt" idx="1"/>
           </p:nvPr>
         </p:nvSpPr>
         <p:spPr/>
@@ -1630,7 +1987,7 @@
           <a:p>
             <a:fld id="{D18B56EA-E28F-4F92-9F16-7A6F2501B303}" type="datetime8">
               <a:rPr lang="en-US" smtClean="0"/>
-              <a:t>8/31/2019 10:34 AM</a:t>
+              <a:t>2/27/20 3:39 PM</a:t>
             </a:fld>
             <a:endParaRPr lang="en-US" dirty="0"/>
           </a:p>
@@ -1643,7 +2000,7 @@
             <a:spLocks noGrp="1"/>
           </p:cNvSpPr>
           <p:nvPr>
-            <p:ph type="sldNum" sz="quarter" idx="13"/>
+            <p:ph type="sldNum" sz="quarter" idx="5"/>
           </p:nvPr>
         </p:nvSpPr>
         <p:spPr/>
@@ -1654,7 +2011,7 @@
             <a:fld id="{B4008EB6-D09E-4580-8CD6-DDB14511944F}" type="slidenum">
               <a:rPr lang="en-US" smtClean="0"/>
               <a:pPr/>
-              <a:t>7</a:t>
+              <a:t>5</a:t>
             </a:fld>
             <a:endParaRPr lang="en-US" dirty="0"/>
           </a:p>
@@ -1663,7 +2020,7 @@
     </p:spTree>
     <p:extLst>
       <p:ext uri="{BB962C8B-B14F-4D97-AF65-F5344CB8AC3E}">
-        <p14:creationId xmlns:p14="http://schemas.microsoft.com/office/powerpoint/2010/main" val="4271143038"/>
+        <p14:creationId xmlns:p14="http://schemas.microsoft.com/office/powerpoint/2010/main" val="3386873206"/>
       </p:ext>
     </p:extLst>
   </p:cSld>
@@ -1717,6 +2074,38 @@
           <a:bodyPr/>
           <a:lstStyle/>
           <a:p>
+            <a:r>
+              <a:rPr lang="en-US" dirty="0"/>
+              <a:t>The `</a:t>
+            </a:r>
+            <a:r>
+              <a:rPr lang="en-US" dirty="0" err="1"/>
+              <a:t>PropertyPaneCustomField</a:t>
+            </a:r>
+            <a:r>
+              <a:rPr lang="en-US" dirty="0"/>
+              <a:t>` field control enables developers to control how a the controls renderer. all the code for rendering the control is in the web part where its used.</a:t>
+            </a:r>
+          </a:p>
+          <a:p>
+            <a:endParaRPr lang="en-US" dirty="0"/>
+          </a:p>
+          <a:p>
+            <a:r>
+              <a:rPr lang="en-US" dirty="0"/>
+              <a:t>While this solution will work for many one-off scenarios, you may have more complicated business requirements. In this scenario, you can create custom property pane controls that give you more control and are reusable across web part projects.</a:t>
+            </a:r>
+          </a:p>
+          <a:p>
+            <a:endParaRPr lang="en-US" dirty="0"/>
+          </a:p>
+          <a:p>
+            <a:r>
+              <a:rPr lang="en-US" dirty="0"/>
+              <a:t>To use a custom field control in your web part, you will just import it into the project and add a reference to it like the included field controls:</a:t>
+            </a:r>
+          </a:p>
+          <a:p>
             <a:endParaRPr lang="en-US" dirty="0"/>
           </a:p>
         </p:txBody>
@@ -1736,6 +2125,10 @@
           <a:bodyPr/>
           <a:lstStyle/>
           <a:p>
+            <a:r>
+              <a:rPr lang="en-US"/>
+              <a:t>SharePoint</a:t>
+            </a:r>
             <a:endParaRPr lang="en-US" dirty="0"/>
           </a:p>
         </p:txBody>
@@ -1755,7 +2148,7 @@
           <a:bodyPr/>
           <a:lstStyle/>
           <a:p>
-            <a:pPr defTabSz="914099" eaLnBrk="0" hangingPunct="0"/>
+            <a:pPr defTabSz="924154" eaLnBrk="0" hangingPunct="0"/>
             <a:r>
               <a:rPr lang="en-US" sz="400">
                 <a:gradFill>
@@ -1773,7 +2166,7 @@
                 <a:ea typeface="Segoe UI" pitchFamily="34" charset="0"/>
                 <a:cs typeface="Segoe UI" pitchFamily="34" charset="0"/>
               </a:rPr>
-              <a:t>© Microsoft Corporation. All rights reserved. MICROSOFT MAKES NO WARRANTIES, EXPRESS, IMPLIED OR STATUTORY, AS TO THE INFORMATION IN THIS PRESENTATION.</a:t>
+              <a:t>© 2016 Microsoft Corporation. All rights reserved. MICROSOFT MAKES NO WARRANTIES, EXPRESS, IMPLIED OR STATUTORY, AS TO THE INFORMATION IN THIS PRESENTATION.</a:t>
             </a:r>
             <a:endParaRPr lang="en-US" sz="400" dirty="0">
               <a:gradFill>
@@ -1796,12 +2189,12 @@
       </p:sp>
       <p:sp>
         <p:nvSpPr>
-          <p:cNvPr id="6" name="Date Placeholder 5"/>
+          <p:cNvPr id="6" name="Slide Number Placeholder 5"/>
           <p:cNvSpPr>
             <a:spLocks noGrp="1"/>
           </p:cNvSpPr>
           <p:nvPr>
-            <p:ph type="dt" idx="12"/>
+            <p:ph type="sldNum" sz="quarter" idx="12"/>
           </p:nvPr>
         </p:nvSpPr>
         <p:spPr/>
@@ -1809,33 +2202,10 @@
           <a:bodyPr/>
           <a:lstStyle/>
           <a:p>
-            <a:fld id="{D18B56EA-E28F-4F92-9F16-7A6F2501B303}" type="datetime8">
-              <a:rPr lang="en-US" smtClean="0"/>
-              <a:t>8/31/2019 10:34 AM</a:t>
-            </a:fld>
-            <a:endParaRPr lang="en-US" dirty="0"/>
-          </a:p>
-        </p:txBody>
-      </p:sp>
-      <p:sp>
-        <p:nvSpPr>
-          <p:cNvPr id="7" name="Slide Number Placeholder 6"/>
-          <p:cNvSpPr>
-            <a:spLocks noGrp="1"/>
-          </p:cNvSpPr>
-          <p:nvPr>
-            <p:ph type="sldNum" sz="quarter" idx="13"/>
-          </p:nvPr>
-        </p:nvSpPr>
-        <p:spPr/>
-        <p:txBody>
-          <a:bodyPr/>
-          <a:lstStyle/>
-          <a:p>
             <a:fld id="{B4008EB6-D09E-4580-8CD6-DDB14511944F}" type="slidenum">
               <a:rPr lang="en-US" smtClean="0"/>
               <a:pPr/>
-              <a:t>9</a:t>
+              <a:t>6</a:t>
             </a:fld>
             <a:endParaRPr lang="en-US" dirty="0"/>
           </a:p>
@@ -1844,7 +2214,7 @@
     </p:spTree>
     <p:extLst>
       <p:ext uri="{BB962C8B-B14F-4D97-AF65-F5344CB8AC3E}">
-        <p14:creationId xmlns:p14="http://schemas.microsoft.com/office/powerpoint/2010/main" val="3282806226"/>
+        <p14:creationId xmlns:p14="http://schemas.microsoft.com/office/powerpoint/2010/main" val="2942624355"/>
       </p:ext>
     </p:extLst>
   </p:cSld>
@@ -1992,7 +2362,7 @@
           <a:p>
             <a:fld id="{D18B56EA-E28F-4F92-9F16-7A6F2501B303}" type="datetime8">
               <a:rPr lang="en-US" smtClean="0"/>
-              <a:t>8/31/2019 10:34 AM</a:t>
+              <a:t>2/27/20 2:31 PM</a:t>
             </a:fld>
             <a:endParaRPr lang="en-US" dirty="0"/>
           </a:p>
@@ -2016,7 +2386,7 @@
             <a:fld id="{B4008EB6-D09E-4580-8CD6-DDB14511944F}" type="slidenum">
               <a:rPr lang="en-US" smtClean="0"/>
               <a:pPr/>
-              <a:t>10</a:t>
+              <a:t>7</a:t>
             </a:fld>
             <a:endParaRPr lang="en-US" dirty="0"/>
           </a:p>
@@ -2025,7 +2395,7 @@
     </p:spTree>
     <p:extLst>
       <p:ext uri="{BB962C8B-B14F-4D97-AF65-F5344CB8AC3E}">
-        <p14:creationId xmlns:p14="http://schemas.microsoft.com/office/powerpoint/2010/main" val="2510823477"/>
+        <p14:creationId xmlns:p14="http://schemas.microsoft.com/office/powerpoint/2010/main" val="4271143038"/>
       </p:ext>
     </p:extLst>
   </p:cSld>
@@ -2079,7 +2449,7 @@
           <a:bodyPr/>
           <a:lstStyle/>
           <a:p>
-            <a:endParaRPr lang="en-US"/>
+            <a:endParaRPr lang="en-US" dirty="0"/>
           </a:p>
         </p:txBody>
       </p:sp>
@@ -2173,7 +2543,7 @@
           <a:p>
             <a:fld id="{D18B56EA-E28F-4F92-9F16-7A6F2501B303}" type="datetime8">
               <a:rPr lang="en-US" smtClean="0"/>
-              <a:t>8/31/2019 10:34 AM</a:t>
+              <a:t>2/27/20 2:31 PM</a:t>
             </a:fld>
             <a:endParaRPr lang="en-US" dirty="0"/>
           </a:p>
@@ -2197,7 +2567,7 @@
             <a:fld id="{B4008EB6-D09E-4580-8CD6-DDB14511944F}" type="slidenum">
               <a:rPr lang="en-US" smtClean="0"/>
               <a:pPr/>
-              <a:t>11</a:t>
+              <a:t>9</a:t>
             </a:fld>
             <a:endParaRPr lang="en-US" dirty="0"/>
           </a:p>
@@ -2206,7 +2576,188 @@
     </p:spTree>
     <p:extLst>
       <p:ext uri="{BB962C8B-B14F-4D97-AF65-F5344CB8AC3E}">
-        <p14:creationId xmlns:p14="http://schemas.microsoft.com/office/powerpoint/2010/main" val="1685519606"/>
+        <p14:creationId xmlns:p14="http://schemas.microsoft.com/office/powerpoint/2010/main" val="3282806226"/>
+      </p:ext>
+    </p:extLst>
+  </p:cSld>
+  <p:clrMapOvr>
+    <a:masterClrMapping/>
+  </p:clrMapOvr>
+</p:notes>
+</file>
+
+<file path=ppt/notesSlides/notesSlide9.xml><?xml version="1.0" encoding="utf-8"?>
+<p:notes xmlns:a="http://schemas.openxmlformats.org/drawingml/2006/main" xmlns:r="http://schemas.openxmlformats.org/officeDocument/2006/relationships" xmlns:p="http://schemas.openxmlformats.org/presentationml/2006/main">
+  <p:cSld>
+    <p:spTree>
+      <p:nvGrpSpPr>
+        <p:cNvPr id="1" name=""/>
+        <p:cNvGrpSpPr/>
+        <p:nvPr/>
+      </p:nvGrpSpPr>
+      <p:grpSpPr>
+        <a:xfrm>
+          <a:off x="0" y="0"/>
+          <a:ext cx="0" cy="0"/>
+          <a:chOff x="0" y="0"/>
+          <a:chExt cx="0" cy="0"/>
+        </a:xfrm>
+      </p:grpSpPr>
+      <p:sp>
+        <p:nvSpPr>
+          <p:cNvPr id="2" name="Slide Image Placeholder 1"/>
+          <p:cNvSpPr>
+            <a:spLocks noGrp="1" noRot="1" noChangeAspect="1"/>
+          </p:cNvSpPr>
+          <p:nvPr>
+            <p:ph type="sldImg"/>
+          </p:nvPr>
+        </p:nvSpPr>
+        <p:spPr/>
+      </p:sp>
+      <p:sp>
+        <p:nvSpPr>
+          <p:cNvPr id="3" name="Notes Placeholder 2"/>
+          <p:cNvSpPr>
+            <a:spLocks noGrp="1"/>
+          </p:cNvSpPr>
+          <p:nvPr>
+            <p:ph type="body" idx="1"/>
+          </p:nvPr>
+        </p:nvSpPr>
+        <p:spPr/>
+        <p:txBody>
+          <a:bodyPr/>
+          <a:lstStyle/>
+          <a:p>
+            <a:endParaRPr lang="en-US"/>
+          </a:p>
+        </p:txBody>
+      </p:sp>
+      <p:sp>
+        <p:nvSpPr>
+          <p:cNvPr id="4" name="Header Placeholder 3"/>
+          <p:cNvSpPr>
+            <a:spLocks noGrp="1"/>
+          </p:cNvSpPr>
+          <p:nvPr>
+            <p:ph type="hdr" sz="quarter" idx="10"/>
+          </p:nvPr>
+        </p:nvSpPr>
+        <p:spPr/>
+        <p:txBody>
+          <a:bodyPr/>
+          <a:lstStyle/>
+          <a:p>
+            <a:endParaRPr lang="en-US" dirty="0"/>
+          </a:p>
+        </p:txBody>
+      </p:sp>
+      <p:sp>
+        <p:nvSpPr>
+          <p:cNvPr id="5" name="Footer Placeholder 4"/>
+          <p:cNvSpPr>
+            <a:spLocks noGrp="1"/>
+          </p:cNvSpPr>
+          <p:nvPr>
+            <p:ph type="ftr" sz="quarter" idx="11"/>
+          </p:nvPr>
+        </p:nvSpPr>
+        <p:spPr/>
+        <p:txBody>
+          <a:bodyPr/>
+          <a:lstStyle/>
+          <a:p>
+            <a:pPr defTabSz="914099" eaLnBrk="0" hangingPunct="0"/>
+            <a:r>
+              <a:rPr lang="en-US" sz="400">
+                <a:gradFill>
+                  <a:gsLst>
+                    <a:gs pos="0">
+                      <a:prstClr val="black"/>
+                    </a:gs>
+                    <a:gs pos="100000">
+                      <a:prstClr val="black"/>
+                    </a:gs>
+                  </a:gsLst>
+                  <a:lin ang="5400000" scaled="0"/>
+                </a:gradFill>
+                <a:latin typeface="Segoe UI" pitchFamily="34" charset="0"/>
+                <a:ea typeface="Segoe UI" pitchFamily="34" charset="0"/>
+                <a:cs typeface="Segoe UI" pitchFamily="34" charset="0"/>
+              </a:rPr>
+              <a:t>© Microsoft Corporation. All rights reserved. MICROSOFT MAKES NO WARRANTIES, EXPRESS, IMPLIED OR STATUTORY, AS TO THE INFORMATION IN THIS PRESENTATION.</a:t>
+            </a:r>
+            <a:endParaRPr lang="en-US" sz="400" dirty="0">
+              <a:gradFill>
+                <a:gsLst>
+                  <a:gs pos="0">
+                    <a:prstClr val="black"/>
+                  </a:gs>
+                  <a:gs pos="100000">
+                    <a:prstClr val="black"/>
+                  </a:gs>
+                </a:gsLst>
+                <a:lin ang="5400000" scaled="0"/>
+              </a:gradFill>
+              <a:latin typeface="Segoe UI" pitchFamily="34" charset="0"/>
+              <a:ea typeface="Segoe UI" pitchFamily="34" charset="0"/>
+              <a:cs typeface="Segoe UI" pitchFamily="34" charset="0"/>
+            </a:endParaRPr>
+          </a:p>
+        </p:txBody>
+      </p:sp>
+      <p:sp>
+        <p:nvSpPr>
+          <p:cNvPr id="6" name="Date Placeholder 5"/>
+          <p:cNvSpPr>
+            <a:spLocks noGrp="1"/>
+          </p:cNvSpPr>
+          <p:nvPr>
+            <p:ph type="dt" idx="12"/>
+          </p:nvPr>
+        </p:nvSpPr>
+        <p:spPr/>
+        <p:txBody>
+          <a:bodyPr/>
+          <a:lstStyle/>
+          <a:p>
+            <a:fld id="{D18B56EA-E28F-4F92-9F16-7A6F2501B303}" type="datetime8">
+              <a:rPr lang="en-US" smtClean="0"/>
+              <a:t>2/27/20 2:31 PM</a:t>
+            </a:fld>
+            <a:endParaRPr lang="en-US" dirty="0"/>
+          </a:p>
+        </p:txBody>
+      </p:sp>
+      <p:sp>
+        <p:nvSpPr>
+          <p:cNvPr id="7" name="Slide Number Placeholder 6"/>
+          <p:cNvSpPr>
+            <a:spLocks noGrp="1"/>
+          </p:cNvSpPr>
+          <p:nvPr>
+            <p:ph type="sldNum" sz="quarter" idx="13"/>
+          </p:nvPr>
+        </p:nvSpPr>
+        <p:spPr/>
+        <p:txBody>
+          <a:bodyPr/>
+          <a:lstStyle/>
+          <a:p>
+            <a:fld id="{B4008EB6-D09E-4580-8CD6-DDB14511944F}" type="slidenum">
+              <a:rPr lang="en-US" smtClean="0"/>
+              <a:pPr/>
+              <a:t>10</a:t>
+            </a:fld>
+            <a:endParaRPr lang="en-US" dirty="0"/>
+          </a:p>
+        </p:txBody>
+      </p:sp>
+    </p:spTree>
+    <p:extLst>
+      <p:ext uri="{BB962C8B-B14F-4D97-AF65-F5344CB8AC3E}">
+        <p14:creationId xmlns:p14="http://schemas.microsoft.com/office/powerpoint/2010/main" val="2510823477"/>
       </p:ext>
     </p:extLst>
   </p:cSld>
@@ -14741,7 +15292,7 @@
       </a:lvl9pPr>
     </p:otherStyle>
   </p:txStyles>
-  <p:extLst mod="1">
+  <p:extLst>
     <p:ext uri="{27BBF7A9-308A-43DC-89C8-2F10F3537804}">
       <p15:sldGuideLst xmlns:p15="http://schemas.microsoft.com/office/powerpoint/2012/main">
         <p15:guide id="3" pos="1381" userDrawn="1">
@@ -15227,7 +15778,7 @@
           <a:p>
             <a:r>
               <a:rPr lang="en-US" sz="2800" dirty="0"/>
-              <a:t>Introducing the Property Pane</a:t>
+              <a:t>Building custom property pane fields</a:t>
             </a:r>
           </a:p>
         </p:txBody>

--- a/02 customprops.pptx
+++ b/02 customprops.pptx
@@ -264,7 +264,7 @@
               <a:rPr lang="en-US" smtClean="0">
                 <a:latin typeface="Segoe UI" pitchFamily="34" charset="0"/>
               </a:rPr>
-              <a:t>2/27/20 2:31 PM</a:t>
+              <a:t>8/23/2020 10:40 AM</a:t>
             </a:fld>
             <a:endParaRPr lang="en-US" dirty="0">
               <a:latin typeface="Segoe UI" pitchFamily="34" charset="0"/>
@@ -561,7 +561,7 @@
           <a:p>
             <a:fld id="{D18B56EA-E28F-4F92-9F16-7A6F2501B303}" type="datetime8">
               <a:rPr lang="en-US" smtClean="0"/>
-              <a:t>2/27/20 2:31 PM</a:t>
+              <a:t>8/23/2020 10:40 AM</a:t>
             </a:fld>
             <a:endParaRPr lang="en-US" dirty="0"/>
           </a:p>
@@ -944,7 +944,7 @@
           <a:p>
             <a:fld id="{D18B56EA-E28F-4F92-9F16-7A6F2501B303}" type="datetime8">
               <a:rPr lang="en-US" smtClean="0"/>
-              <a:t>2/27/20 2:31 PM</a:t>
+              <a:t>8/23/2020 10:40 AM</a:t>
             </a:fld>
             <a:endParaRPr lang="en-US" dirty="0"/>
           </a:p>
@@ -1125,7 +1125,7 @@
           <a:p>
             <a:fld id="{D18B56EA-E28F-4F92-9F16-7A6F2501B303}" type="datetime8">
               <a:rPr lang="en-US" smtClean="0"/>
-              <a:t>2/27/20 2:31 PM</a:t>
+              <a:t>8/23/2020 10:40 AM</a:t>
             </a:fld>
             <a:endParaRPr lang="en-US" dirty="0"/>
           </a:p>
@@ -1309,7 +1309,7 @@
           <a:p>
             <a:fld id="{D18B56EA-E28F-4F92-9F16-7A6F2501B303}" type="datetime8">
               <a:rPr lang="en-US" smtClean="0"/>
-              <a:t>2/27/20 3:25 PM</a:t>
+              <a:t>8/23/2020 10:40 AM</a:t>
             </a:fld>
             <a:endParaRPr lang="en-US" dirty="0"/>
           </a:p>
@@ -1755,7 +1755,7 @@
           <a:p>
             <a:fld id="{D18B56EA-E28F-4F92-9F16-7A6F2501B303}" type="datetime8">
               <a:rPr lang="en-US" smtClean="0"/>
-              <a:t>2/27/20 3:39 PM</a:t>
+              <a:t>8/23/2020 10:40 AM</a:t>
             </a:fld>
             <a:endParaRPr lang="en-US" dirty="0"/>
           </a:p>
@@ -1987,7 +1987,7 @@
           <a:p>
             <a:fld id="{D18B56EA-E28F-4F92-9F16-7A6F2501B303}" type="datetime8">
               <a:rPr lang="en-US" smtClean="0"/>
-              <a:t>2/27/20 3:39 PM</a:t>
+              <a:t>8/23/2020 10:40 AM</a:t>
             </a:fld>
             <a:endParaRPr lang="en-US" dirty="0"/>
           </a:p>
@@ -2362,7 +2362,7 @@
           <a:p>
             <a:fld id="{D18B56EA-E28F-4F92-9F16-7A6F2501B303}" type="datetime8">
               <a:rPr lang="en-US" smtClean="0"/>
-              <a:t>2/27/20 2:31 PM</a:t>
+              <a:t>8/23/2020 10:40 AM</a:t>
             </a:fld>
             <a:endParaRPr lang="en-US" dirty="0"/>
           </a:p>
@@ -2543,7 +2543,7 @@
           <a:p>
             <a:fld id="{D18B56EA-E28F-4F92-9F16-7A6F2501B303}" type="datetime8">
               <a:rPr lang="en-US" smtClean="0"/>
-              <a:t>2/27/20 2:31 PM</a:t>
+              <a:t>8/23/2020 10:40 AM</a:t>
             </a:fld>
             <a:endParaRPr lang="en-US" dirty="0"/>
           </a:p>
@@ -2724,7 +2724,7 @@
           <a:p>
             <a:fld id="{D18B56EA-E28F-4F92-9F16-7A6F2501B303}" type="datetime8">
               <a:rPr lang="en-US" smtClean="0"/>
-              <a:t>2/27/20 2:31 PM</a:t>
+              <a:t>8/23/2020 10:40 AM</a:t>
             </a:fld>
             <a:endParaRPr lang="en-US" dirty="0"/>
           </a:p>
@@ -15884,7 +15884,12 @@
             <p:ph type="body" sz="quarter" idx="10"/>
           </p:nvPr>
         </p:nvSpPr>
-        <p:spPr/>
+        <p:spPr>
+          <a:xfrm>
+            <a:off x="464400" y="1212849"/>
+            <a:ext cx="4459292" cy="5069080"/>
+          </a:xfrm>
+        </p:spPr>
         <p:txBody>
           <a:bodyPr/>
           <a:lstStyle/>
@@ -15974,14 +15979,7 @@
           <a:p>
             <a:r>
               <a:rPr lang="en-US" dirty="0"/>
-              <a:t>Also possible to create your own </a:t>
-            </a:r>
-            <a:br>
-              <a:rPr lang="en-US" dirty="0"/>
-            </a:br>
-            <a:r>
-              <a:rPr lang="en-US" dirty="0"/>
-              <a:t>custom field types</a:t>
+              <a:t>Also possible to create your own custom field types</a:t>
             </a:r>
           </a:p>
           <a:p>
@@ -16014,7 +16012,13 @@
       </p:sp>
       <p:pic>
         <p:nvPicPr>
-          <p:cNvPr id="5" name="Picture 4"/>
+          <p:cNvPr id="6" name="Picture 5" descr="A screenshot of a social media post&#10;&#10;Description automatically generated">
+            <a:extLst>
+              <a:ext uri="{FF2B5EF4-FFF2-40B4-BE49-F238E27FC236}">
+                <a16:creationId xmlns:a16="http://schemas.microsoft.com/office/drawing/2014/main" id="{F2E75669-3835-4C51-8835-70B78E9EB33E}"/>
+              </a:ext>
+            </a:extLst>
+          </p:cNvPr>
           <p:cNvPicPr>
             <a:picLocks noChangeAspect="1"/>
           </p:cNvPicPr>
@@ -16028,38 +16032,8 @@
         </p:blipFill>
         <p:spPr>
           <a:xfrm>
-            <a:off x="5753124" y="1212849"/>
-            <a:ext cx="6408712" cy="4972421"/>
-          </a:xfrm>
-          <a:prstGeom prst="rect">
-            <a:avLst/>
-          </a:prstGeom>
-        </p:spPr>
-      </p:pic>
-      <p:pic>
-        <p:nvPicPr>
-          <p:cNvPr id="10" name="Picture 9">
-            <a:extLst>
-              <a:ext uri="{FF2B5EF4-FFF2-40B4-BE49-F238E27FC236}">
-                <a16:creationId xmlns:a16="http://schemas.microsoft.com/office/drawing/2014/main" id="{F3071F00-C61E-484F-9708-98C517B9724F}"/>
-              </a:ext>
-            </a:extLst>
-          </p:cNvPr>
-          <p:cNvPicPr>
-            <a:picLocks noChangeAspect="1"/>
-          </p:cNvPicPr>
-          <p:nvPr/>
-        </p:nvPicPr>
-        <p:blipFill>
-          <a:blip r:embed="rId4"/>
-          <a:stretch>
-            <a:fillRect/>
-          </a:stretch>
-        </p:blipFill>
-        <p:spPr>
-          <a:xfrm>
-            <a:off x="5792879" y="1611474"/>
-            <a:ext cx="3581710" cy="297206"/>
+            <a:off x="5165269" y="1212849"/>
+            <a:ext cx="6806806" cy="3253642"/>
           </a:xfrm>
           <a:prstGeom prst="rect">
             <a:avLst/>

--- a/02 customprops.pptx
+++ b/02 customprops.pptx
@@ -264,7 +264,7 @@
               <a:rPr lang="en-US" smtClean="0">
                 <a:latin typeface="Segoe UI" pitchFamily="34" charset="0"/>
               </a:rPr>
-              <a:t>8/23/2020 10:40 AM</a:t>
+              <a:t>3/2/2021 6:37 AM</a:t>
             </a:fld>
             <a:endParaRPr lang="en-US" dirty="0">
               <a:latin typeface="Segoe UI" pitchFamily="34" charset="0"/>
@@ -561,7 +561,7 @@
           <a:p>
             <a:fld id="{D18B56EA-E28F-4F92-9F16-7A6F2501B303}" type="datetime8">
               <a:rPr lang="en-US" smtClean="0"/>
-              <a:t>8/23/2020 10:40 AM</a:t>
+              <a:t>3/2/2021 6:37 AM</a:t>
             </a:fld>
             <a:endParaRPr lang="en-US" dirty="0"/>
           </a:p>
@@ -944,7 +944,7 @@
           <a:p>
             <a:fld id="{D18B56EA-E28F-4F92-9F16-7A6F2501B303}" type="datetime8">
               <a:rPr lang="en-US" smtClean="0"/>
-              <a:t>8/23/2020 10:40 AM</a:t>
+              <a:t>3/2/2021 6:37 AM</a:t>
             </a:fld>
             <a:endParaRPr lang="en-US" dirty="0"/>
           </a:p>
@@ -1125,7 +1125,7 @@
           <a:p>
             <a:fld id="{D18B56EA-E28F-4F92-9F16-7A6F2501B303}" type="datetime8">
               <a:rPr lang="en-US" smtClean="0"/>
-              <a:t>8/23/2020 10:40 AM</a:t>
+              <a:t>3/2/2021 6:37 AM</a:t>
             </a:fld>
             <a:endParaRPr lang="en-US" dirty="0"/>
           </a:p>
@@ -1309,7 +1309,7 @@
           <a:p>
             <a:fld id="{D18B56EA-E28F-4F92-9F16-7A6F2501B303}" type="datetime8">
               <a:rPr lang="en-US" smtClean="0"/>
-              <a:t>8/23/2020 10:40 AM</a:t>
+              <a:t>3/2/2021 6:37 AM</a:t>
             </a:fld>
             <a:endParaRPr lang="en-US" dirty="0"/>
           </a:p>
@@ -1628,23 +1628,7 @@
             </a:r>
             <a:r>
               <a:rPr lang="en-US" dirty="0"/>
-              <a:t>` class from the **@</a:t>
-            </a:r>
-            <a:r>
-              <a:rPr lang="en-US" dirty="0" err="1"/>
-              <a:t>microsoft</a:t>
-            </a:r>
-            <a:r>
-              <a:rPr lang="en-US" dirty="0"/>
-              <a:t>/</a:t>
-            </a:r>
-            <a:r>
-              <a:rPr lang="en-US" dirty="0" err="1"/>
-              <a:t>sp</a:t>
-            </a:r>
-            <a:r>
-              <a:rPr lang="en-US" dirty="0"/>
-              <a:t>-webpart-base** class.</a:t>
+              <a:t>` class from the **@microsoft/sp-property-pane** class.</a:t>
             </a:r>
           </a:p>
           <a:p>
@@ -1755,7 +1739,7 @@
           <a:p>
             <a:fld id="{D18B56EA-E28F-4F92-9F16-7A6F2501B303}" type="datetime8">
               <a:rPr lang="en-US" smtClean="0"/>
-              <a:t>8/23/2020 10:40 AM</a:t>
+              <a:t>3/2/2021 6:37 AM</a:t>
             </a:fld>
             <a:endParaRPr lang="en-US" dirty="0"/>
           </a:p>
@@ -1987,7 +1971,7 @@
           <a:p>
             <a:fld id="{D18B56EA-E28F-4F92-9F16-7A6F2501B303}" type="datetime8">
               <a:rPr lang="en-US" smtClean="0"/>
-              <a:t>8/23/2020 10:40 AM</a:t>
+              <a:t>3/2/2021 6:37 AM</a:t>
             </a:fld>
             <a:endParaRPr lang="en-US" dirty="0"/>
           </a:p>
@@ -2362,7 +2346,7 @@
           <a:p>
             <a:fld id="{D18B56EA-E28F-4F92-9F16-7A6F2501B303}" type="datetime8">
               <a:rPr lang="en-US" smtClean="0"/>
-              <a:t>8/23/2020 10:40 AM</a:t>
+              <a:t>3/2/2021 6:37 AM</a:t>
             </a:fld>
             <a:endParaRPr lang="en-US" dirty="0"/>
           </a:p>
@@ -2543,7 +2527,7 @@
           <a:p>
             <a:fld id="{D18B56EA-E28F-4F92-9F16-7A6F2501B303}" type="datetime8">
               <a:rPr lang="en-US" smtClean="0"/>
-              <a:t>8/23/2020 10:40 AM</a:t>
+              <a:t>3/2/2021 6:37 AM</a:t>
             </a:fld>
             <a:endParaRPr lang="en-US" dirty="0"/>
           </a:p>
@@ -2724,7 +2708,7 @@
           <a:p>
             <a:fld id="{D18B56EA-E28F-4F92-9F16-7A6F2501B303}" type="datetime8">
               <a:rPr lang="en-US" smtClean="0"/>
-              <a:t>8/23/2020 10:40 AM</a:t>
+              <a:t>3/2/2021 6:37 AM</a:t>
             </a:fld>
             <a:endParaRPr lang="en-US" dirty="0"/>
           </a:p>
@@ -16148,49 +16132,7 @@
                 <a:latin typeface="Courier New" panose="02070309020205020404" pitchFamily="49" charset="0"/>
                 <a:cs typeface="Courier New" panose="02070309020205020404" pitchFamily="49" charset="0"/>
               </a:rPr>
-              <a:t>@</a:t>
-            </a:r>
-            <a:r>
-              <a:rPr lang="en-US" dirty="0" err="1">
-                <a:latin typeface="Courier New" panose="02070309020205020404" pitchFamily="49" charset="0"/>
-                <a:cs typeface="Courier New" panose="02070309020205020404" pitchFamily="49" charset="0"/>
-              </a:rPr>
-              <a:t>microsoft</a:t>
-            </a:r>
-            <a:r>
-              <a:rPr lang="en-US" dirty="0">
-                <a:latin typeface="Courier New" panose="02070309020205020404" pitchFamily="49" charset="0"/>
-                <a:cs typeface="Courier New" panose="02070309020205020404" pitchFamily="49" charset="0"/>
-              </a:rPr>
-              <a:t>/</a:t>
-            </a:r>
-            <a:r>
-              <a:rPr lang="en-US" dirty="0" err="1">
-                <a:latin typeface="Courier New" panose="02070309020205020404" pitchFamily="49" charset="0"/>
-                <a:cs typeface="Courier New" panose="02070309020205020404" pitchFamily="49" charset="0"/>
-              </a:rPr>
-              <a:t>sp</a:t>
-            </a:r>
-            <a:r>
-              <a:rPr lang="en-US" dirty="0">
-                <a:latin typeface="Courier New" panose="02070309020205020404" pitchFamily="49" charset="0"/>
-                <a:cs typeface="Courier New" panose="02070309020205020404" pitchFamily="49" charset="0"/>
-              </a:rPr>
-              <a:t>-</a:t>
-            </a:r>
-            <a:r>
-              <a:rPr lang="en-US" dirty="0" err="1">
-                <a:latin typeface="Courier New" panose="02070309020205020404" pitchFamily="49" charset="0"/>
-                <a:cs typeface="Courier New" panose="02070309020205020404" pitchFamily="49" charset="0"/>
-              </a:rPr>
-              <a:t>webpart</a:t>
-            </a:r>
-            <a:r>
-              <a:rPr lang="en-US" dirty="0">
-                <a:latin typeface="Courier New" panose="02070309020205020404" pitchFamily="49" charset="0"/>
-                <a:cs typeface="Courier New" panose="02070309020205020404" pitchFamily="49" charset="0"/>
-              </a:rPr>
-              <a:t>-base</a:t>
+              <a:t>@microsoft/sp-property-pane</a:t>
             </a:r>
             <a:r>
               <a:rPr lang="en-US" dirty="0"/>

--- a/02 customprops.pptx
+++ b/02 customprops.pptx
@@ -264,7 +264,7 @@
               <a:rPr lang="en-US" smtClean="0">
                 <a:latin typeface="Segoe UI" pitchFamily="34" charset="0"/>
               </a:rPr>
-              <a:t>3/2/2021 6:37 AM</a:t>
+              <a:t>10/24/2021 2:08 PM</a:t>
             </a:fld>
             <a:endParaRPr lang="en-US" dirty="0">
               <a:latin typeface="Segoe UI" pitchFamily="34" charset="0"/>
@@ -561,7 +561,7 @@
           <a:p>
             <a:fld id="{D18B56EA-E28F-4F92-9F16-7A6F2501B303}" type="datetime8">
               <a:rPr lang="en-US" smtClean="0"/>
-              <a:t>3/2/2021 6:37 AM</a:t>
+              <a:t>10/24/2021 2:08 PM</a:t>
             </a:fld>
             <a:endParaRPr lang="en-US" dirty="0"/>
           </a:p>
@@ -944,7 +944,7 @@
           <a:p>
             <a:fld id="{D18B56EA-E28F-4F92-9F16-7A6F2501B303}" type="datetime8">
               <a:rPr lang="en-US" smtClean="0"/>
-              <a:t>3/2/2021 6:37 AM</a:t>
+              <a:t>10/24/2021 2:08 PM</a:t>
             </a:fld>
             <a:endParaRPr lang="en-US" dirty="0"/>
           </a:p>
@@ -1125,7 +1125,7 @@
           <a:p>
             <a:fld id="{D18B56EA-E28F-4F92-9F16-7A6F2501B303}" type="datetime8">
               <a:rPr lang="en-US" smtClean="0"/>
-              <a:t>3/2/2021 6:37 AM</a:t>
+              <a:t>10/24/2021 2:08 PM</a:t>
             </a:fld>
             <a:endParaRPr lang="en-US" dirty="0"/>
           </a:p>
@@ -1309,7 +1309,7 @@
           <a:p>
             <a:fld id="{D18B56EA-E28F-4F92-9F16-7A6F2501B303}" type="datetime8">
               <a:rPr lang="en-US" smtClean="0"/>
-              <a:t>3/2/2021 6:37 AM</a:t>
+              <a:t>10/24/2021 2:08 PM</a:t>
             </a:fld>
             <a:endParaRPr lang="en-US" dirty="0"/>
           </a:p>
@@ -1739,7 +1739,7 @@
           <a:p>
             <a:fld id="{D18B56EA-E28F-4F92-9F16-7A6F2501B303}" type="datetime8">
               <a:rPr lang="en-US" smtClean="0"/>
-              <a:t>3/2/2021 6:37 AM</a:t>
+              <a:t>10/24/2021 2:08 PM</a:t>
             </a:fld>
             <a:endParaRPr lang="en-US" dirty="0"/>
           </a:p>
@@ -1971,7 +1971,7 @@
           <a:p>
             <a:fld id="{D18B56EA-E28F-4F92-9F16-7A6F2501B303}" type="datetime8">
               <a:rPr lang="en-US" smtClean="0"/>
-              <a:t>3/2/2021 6:37 AM</a:t>
+              <a:t>10/24/2021 2:08 PM</a:t>
             </a:fld>
             <a:endParaRPr lang="en-US" dirty="0"/>
           </a:p>
@@ -2068,7 +2068,15 @@
             </a:r>
             <a:r>
               <a:rPr lang="en-US" dirty="0"/>
-              <a:t>` field control enables developers to control how a the controls renderer. all the code for rendering the control is in the web part where its used.</a:t>
+              <a:t>` field control enables developers to define a custom rendering for the control. To do this, implement a method that accepts a single `</a:t>
+            </a:r>
+            <a:r>
+              <a:rPr lang="en-US" dirty="0" err="1"/>
+              <a:t>HTMLElement</a:t>
+            </a:r>
+            <a:r>
+              <a:rPr lang="en-US" dirty="0"/>
+              <a:t>` parameter. This element is a reference to the `&lt;div&gt;` where the control is rendered on the page.</a:t>
             </a:r>
           </a:p>
           <a:p>
@@ -2346,7 +2354,7 @@
           <a:p>
             <a:fld id="{D18B56EA-E28F-4F92-9F16-7A6F2501B303}" type="datetime8">
               <a:rPr lang="en-US" smtClean="0"/>
-              <a:t>3/2/2021 6:37 AM</a:t>
+              <a:t>10/24/2021 2:08 PM</a:t>
             </a:fld>
             <a:endParaRPr lang="en-US" dirty="0"/>
           </a:p>
@@ -2527,7 +2535,7 @@
           <a:p>
             <a:fld id="{D18B56EA-E28F-4F92-9F16-7A6F2501B303}" type="datetime8">
               <a:rPr lang="en-US" smtClean="0"/>
-              <a:t>3/2/2021 6:37 AM</a:t>
+              <a:t>10/24/2021 2:08 PM</a:t>
             </a:fld>
             <a:endParaRPr lang="en-US" dirty="0"/>
           </a:p>
@@ -2708,7 +2716,7 @@
           <a:p>
             <a:fld id="{D18B56EA-E28F-4F92-9F16-7A6F2501B303}" type="datetime8">
               <a:rPr lang="en-US" smtClean="0"/>
-              <a:t>3/2/2021 6:37 AM</a:t>
+              <a:t>10/24/2021 2:08 PM</a:t>
             </a:fld>
             <a:endParaRPr lang="en-US" dirty="0"/>
           </a:p>
@@ -15852,154 +15860,12 @@
           <a:chExt cx="0" cy="0"/>
         </a:xfrm>
       </p:grpSpPr>
-      <p:sp>
-        <p:nvSpPr>
-          <p:cNvPr id="4" name="Text Placeholder 3">
+      <p:pic>
+        <p:nvPicPr>
+          <p:cNvPr id="5" name="Picture 4" descr="Graphical user interface&#10;&#10;Description automatically generated">
             <a:extLst>
               <a:ext uri="{FF2B5EF4-FFF2-40B4-BE49-F238E27FC236}">
-                <a16:creationId xmlns:a16="http://schemas.microsoft.com/office/drawing/2014/main" id="{38574419-87D0-6B49-92FD-ABA275A3F25D}"/>
-              </a:ext>
-            </a:extLst>
-          </p:cNvPr>
-          <p:cNvSpPr>
-            <a:spLocks noGrp="1"/>
-          </p:cNvSpPr>
-          <p:nvPr>
-            <p:ph type="body" sz="quarter" idx="10"/>
-          </p:nvPr>
-        </p:nvSpPr>
-        <p:spPr>
-          <a:xfrm>
-            <a:off x="464400" y="1212849"/>
-            <a:ext cx="4459292" cy="5069080"/>
-          </a:xfrm>
-        </p:spPr>
-        <p:txBody>
-          <a:bodyPr/>
-          <a:lstStyle/>
-          <a:p>
-            <a:r>
-              <a:rPr lang="en-US" dirty="0"/>
-              <a:t>Property pane supports the </a:t>
-            </a:r>
-            <a:br>
-              <a:rPr lang="en-US" dirty="0"/>
-            </a:br>
-            <a:r>
-              <a:rPr lang="en-US" dirty="0"/>
-              <a:t>following field types </a:t>
-            </a:r>
-            <a:br>
-              <a:rPr lang="en-US" dirty="0"/>
-            </a:br>
-            <a:r>
-              <a:rPr lang="en-US" dirty="0"/>
-              <a:t>out-of-the-box</a:t>
-            </a:r>
-          </a:p>
-          <a:p>
-            <a:pPr lvl="1"/>
-            <a:r>
-              <a:rPr lang="en-US" dirty="0"/>
-              <a:t>Label</a:t>
-            </a:r>
-          </a:p>
-          <a:p>
-            <a:pPr lvl="1"/>
-            <a:r>
-              <a:rPr lang="en-US" dirty="0"/>
-              <a:t>Textbox</a:t>
-            </a:r>
-          </a:p>
-          <a:p>
-            <a:pPr lvl="1"/>
-            <a:r>
-              <a:rPr lang="en-US" dirty="0"/>
-              <a:t>Multi-line Textbox</a:t>
-            </a:r>
-          </a:p>
-          <a:p>
-            <a:pPr lvl="1"/>
-            <a:r>
-              <a:rPr lang="en-US" dirty="0"/>
-              <a:t>Checkbox</a:t>
-            </a:r>
-          </a:p>
-          <a:p>
-            <a:pPr lvl="1"/>
-            <a:r>
-              <a:rPr lang="en-US" dirty="0"/>
-              <a:t>Dropdown</a:t>
-            </a:r>
-          </a:p>
-          <a:p>
-            <a:pPr lvl="1"/>
-            <a:r>
-              <a:rPr lang="en-US" dirty="0"/>
-              <a:t>Link</a:t>
-            </a:r>
-          </a:p>
-          <a:p>
-            <a:pPr lvl="1"/>
-            <a:r>
-              <a:rPr lang="en-US" dirty="0"/>
-              <a:t>Slider</a:t>
-            </a:r>
-          </a:p>
-          <a:p>
-            <a:pPr lvl="1"/>
-            <a:r>
-              <a:rPr lang="en-US" dirty="0"/>
-              <a:t>Toggle</a:t>
-            </a:r>
-          </a:p>
-          <a:p>
-            <a:pPr lvl="1"/>
-            <a:r>
-              <a:rPr lang="en-US" dirty="0"/>
-              <a:t>Custom</a:t>
-            </a:r>
-          </a:p>
-          <a:p>
-            <a:r>
-              <a:rPr lang="en-US" dirty="0"/>
-              <a:t>Also possible to create your own custom field types</a:t>
-            </a:r>
-          </a:p>
-          <a:p>
-            <a:endParaRPr lang="en-US" dirty="0"/>
-          </a:p>
-        </p:txBody>
-      </p:sp>
-      <p:sp>
-        <p:nvSpPr>
-          <p:cNvPr id="2" name="Title 1"/>
-          <p:cNvSpPr>
-            <a:spLocks noGrp="1"/>
-          </p:cNvSpPr>
-          <p:nvPr>
-            <p:ph type="title"/>
-          </p:nvPr>
-        </p:nvSpPr>
-        <p:spPr/>
-        <p:txBody>
-          <a:bodyPr/>
-          <a:lstStyle/>
-          <a:p>
-            <a:r>
-              <a:rPr lang="en-US" dirty="0"/>
-              <a:t>Overview</a:t>
-            </a:r>
-            <a:endParaRPr lang="fi-FI" dirty="0"/>
-          </a:p>
-        </p:txBody>
-      </p:sp>
-      <p:pic>
-        <p:nvPicPr>
-          <p:cNvPr id="6" name="Picture 5" descr="A screenshot of a social media post&#10;&#10;Description automatically generated">
-            <a:extLst>
-              <a:ext uri="{FF2B5EF4-FFF2-40B4-BE49-F238E27FC236}">
-                <a16:creationId xmlns:a16="http://schemas.microsoft.com/office/drawing/2014/main" id="{F2E75669-3835-4C51-8835-70B78E9EB33E}"/>
+                <a16:creationId xmlns:a16="http://schemas.microsoft.com/office/drawing/2014/main" id="{BD0CC84B-FF4F-4886-8C61-5E3C3C63EBF2}"/>
               </a:ext>
             </a:extLst>
           </p:cNvPr>
@@ -16016,14 +15882,156 @@
         </p:blipFill>
         <p:spPr>
           <a:xfrm>
-            <a:off x="5165269" y="1212849"/>
-            <a:ext cx="6806806" cy="3253642"/>
+            <a:off x="5165268" y="1212849"/>
+            <a:ext cx="6806805" cy="4058558"/>
           </a:xfrm>
           <a:prstGeom prst="rect">
             <a:avLst/>
           </a:prstGeom>
         </p:spPr>
       </p:pic>
+      <p:sp>
+        <p:nvSpPr>
+          <p:cNvPr id="4" name="Text Placeholder 3">
+            <a:extLst>
+              <a:ext uri="{FF2B5EF4-FFF2-40B4-BE49-F238E27FC236}">
+                <a16:creationId xmlns:a16="http://schemas.microsoft.com/office/drawing/2014/main" id="{38574419-87D0-6B49-92FD-ABA275A3F25D}"/>
+              </a:ext>
+            </a:extLst>
+          </p:cNvPr>
+          <p:cNvSpPr>
+            <a:spLocks noGrp="1"/>
+          </p:cNvSpPr>
+          <p:nvPr>
+            <p:ph type="body" sz="quarter" idx="10"/>
+          </p:nvPr>
+        </p:nvSpPr>
+        <p:spPr>
+          <a:xfrm>
+            <a:off x="464400" y="1212849"/>
+            <a:ext cx="4459292" cy="5069080"/>
+          </a:xfrm>
+        </p:spPr>
+        <p:txBody>
+          <a:bodyPr/>
+          <a:lstStyle/>
+          <a:p>
+            <a:r>
+              <a:rPr lang="en-US" dirty="0"/>
+              <a:t>Property pane supports the </a:t>
+            </a:r>
+            <a:br>
+              <a:rPr lang="en-US" dirty="0"/>
+            </a:br>
+            <a:r>
+              <a:rPr lang="en-US" dirty="0"/>
+              <a:t>following field types </a:t>
+            </a:r>
+            <a:br>
+              <a:rPr lang="en-US" dirty="0"/>
+            </a:br>
+            <a:r>
+              <a:rPr lang="en-US" dirty="0"/>
+              <a:t>out-of-the-box</a:t>
+            </a:r>
+          </a:p>
+          <a:p>
+            <a:pPr lvl="1"/>
+            <a:r>
+              <a:rPr lang="en-US" dirty="0"/>
+              <a:t>Label</a:t>
+            </a:r>
+          </a:p>
+          <a:p>
+            <a:pPr lvl="1"/>
+            <a:r>
+              <a:rPr lang="en-US" dirty="0"/>
+              <a:t>Textbox</a:t>
+            </a:r>
+          </a:p>
+          <a:p>
+            <a:pPr lvl="1"/>
+            <a:r>
+              <a:rPr lang="en-US" dirty="0"/>
+              <a:t>Multi-line Textbox</a:t>
+            </a:r>
+          </a:p>
+          <a:p>
+            <a:pPr lvl="1"/>
+            <a:r>
+              <a:rPr lang="en-US" dirty="0"/>
+              <a:t>Checkbox</a:t>
+            </a:r>
+          </a:p>
+          <a:p>
+            <a:pPr lvl="1"/>
+            <a:r>
+              <a:rPr lang="en-US" dirty="0"/>
+              <a:t>Dropdown</a:t>
+            </a:r>
+          </a:p>
+          <a:p>
+            <a:pPr lvl="1"/>
+            <a:r>
+              <a:rPr lang="en-US" dirty="0"/>
+              <a:t>Link</a:t>
+            </a:r>
+          </a:p>
+          <a:p>
+            <a:pPr lvl="1"/>
+            <a:r>
+              <a:rPr lang="en-US" dirty="0"/>
+              <a:t>Slider</a:t>
+            </a:r>
+          </a:p>
+          <a:p>
+            <a:pPr lvl="1"/>
+            <a:r>
+              <a:rPr lang="en-US" dirty="0"/>
+              <a:t>Toggle</a:t>
+            </a:r>
+          </a:p>
+          <a:p>
+            <a:pPr lvl="1"/>
+            <a:r>
+              <a:rPr lang="en-US" dirty="0"/>
+              <a:t>Custom</a:t>
+            </a:r>
+          </a:p>
+          <a:p>
+            <a:r>
+              <a:rPr lang="en-US" dirty="0"/>
+              <a:t>Also possible to create your own custom field types</a:t>
+            </a:r>
+          </a:p>
+          <a:p>
+            <a:endParaRPr lang="en-US" dirty="0"/>
+          </a:p>
+        </p:txBody>
+      </p:sp>
+      <p:sp>
+        <p:nvSpPr>
+          <p:cNvPr id="2" name="Title 1"/>
+          <p:cNvSpPr>
+            <a:spLocks noGrp="1"/>
+          </p:cNvSpPr>
+          <p:nvPr>
+            <p:ph type="title"/>
+          </p:nvPr>
+        </p:nvSpPr>
+        <p:spPr/>
+        <p:txBody>
+          <a:bodyPr/>
+          <a:lstStyle/>
+          <a:p>
+            <a:r>
+              <a:rPr lang="en-US" dirty="0"/>
+              <a:t>Overview</a:t>
+            </a:r>
+            <a:endParaRPr lang="fi-FI" dirty="0"/>
+          </a:p>
+        </p:txBody>
+      </p:sp>
     </p:spTree>
     <p:extLst>
       <p:ext uri="{BB962C8B-B14F-4D97-AF65-F5344CB8AC3E}">

--- a/02 customprops.pptx
+++ b/02 customprops.pptx
@@ -264,7 +264,7 @@
               <a:rPr lang="en-US" smtClean="0">
                 <a:latin typeface="Segoe UI" pitchFamily="34" charset="0"/>
               </a:rPr>
-              <a:t>10/24/2021 2:08 PM</a:t>
+              <a:t>3/28/2022 1:09 PM</a:t>
             </a:fld>
             <a:endParaRPr lang="en-US" dirty="0">
               <a:latin typeface="Segoe UI" pitchFamily="34" charset="0"/>
@@ -561,7 +561,7 @@
           <a:p>
             <a:fld id="{D18B56EA-E28F-4F92-9F16-7A6F2501B303}" type="datetime8">
               <a:rPr lang="en-US" smtClean="0"/>
-              <a:t>10/24/2021 2:08 PM</a:t>
+              <a:t>3/28/2022 1:09 PM</a:t>
             </a:fld>
             <a:endParaRPr lang="en-US" dirty="0"/>
           </a:p>
@@ -944,7 +944,7 @@
           <a:p>
             <a:fld id="{D18B56EA-E28F-4F92-9F16-7A6F2501B303}" type="datetime8">
               <a:rPr lang="en-US" smtClean="0"/>
-              <a:t>10/24/2021 2:08 PM</a:t>
+              <a:t>3/28/2022 1:09 PM</a:t>
             </a:fld>
             <a:endParaRPr lang="en-US" dirty="0"/>
           </a:p>
@@ -1125,7 +1125,7 @@
           <a:p>
             <a:fld id="{D18B56EA-E28F-4F92-9F16-7A6F2501B303}" type="datetime8">
               <a:rPr lang="en-US" smtClean="0"/>
-              <a:t>10/24/2021 2:08 PM</a:t>
+              <a:t>3/28/2022 1:09 PM</a:t>
             </a:fld>
             <a:endParaRPr lang="en-US" dirty="0"/>
           </a:p>
@@ -1309,7 +1309,7 @@
           <a:p>
             <a:fld id="{D18B56EA-E28F-4F92-9F16-7A6F2501B303}" type="datetime8">
               <a:rPr lang="en-US" smtClean="0"/>
-              <a:t>10/24/2021 2:08 PM</a:t>
+              <a:t>3/28/2022 1:09 PM</a:t>
             </a:fld>
             <a:endParaRPr lang="en-US" dirty="0"/>
           </a:p>
@@ -1739,7 +1739,7 @@
           <a:p>
             <a:fld id="{D18B56EA-E28F-4F92-9F16-7A6F2501B303}" type="datetime8">
               <a:rPr lang="en-US" smtClean="0"/>
-              <a:t>10/24/2021 2:08 PM</a:t>
+              <a:t>3/28/2022 1:09 PM</a:t>
             </a:fld>
             <a:endParaRPr lang="en-US" dirty="0"/>
           </a:p>
@@ -1971,7 +1971,7 @@
           <a:p>
             <a:fld id="{D18B56EA-E28F-4F92-9F16-7A6F2501B303}" type="datetime8">
               <a:rPr lang="en-US" smtClean="0"/>
-              <a:t>10/24/2021 2:08 PM</a:t>
+              <a:t>3/28/2022 1:09 PM</a:t>
             </a:fld>
             <a:endParaRPr lang="en-US" dirty="0"/>
           </a:p>
@@ -2354,7 +2354,7 @@
           <a:p>
             <a:fld id="{D18B56EA-E28F-4F92-9F16-7A6F2501B303}" type="datetime8">
               <a:rPr lang="en-US" smtClean="0"/>
-              <a:t>10/24/2021 2:08 PM</a:t>
+              <a:t>3/28/2022 1:09 PM</a:t>
             </a:fld>
             <a:endParaRPr lang="en-US" dirty="0"/>
           </a:p>
@@ -2535,7 +2535,7 @@
           <a:p>
             <a:fld id="{D18B56EA-E28F-4F92-9F16-7A6F2501B303}" type="datetime8">
               <a:rPr lang="en-US" smtClean="0"/>
-              <a:t>10/24/2021 2:08 PM</a:t>
+              <a:t>3/28/2022 1:09 PM</a:t>
             </a:fld>
             <a:endParaRPr lang="en-US" dirty="0"/>
           </a:p>
@@ -2716,7 +2716,7 @@
           <a:p>
             <a:fld id="{D18B56EA-E28F-4F92-9F16-7A6F2501B303}" type="datetime8">
               <a:rPr lang="en-US" smtClean="0"/>
-              <a:t>10/24/2021 2:08 PM</a:t>
+              <a:t>3/28/2022 1:09 PM</a:t>
             </a:fld>
             <a:endParaRPr lang="en-US" dirty="0"/>
           </a:p>
@@ -15860,12 +15860,154 @@
           <a:chExt cx="0" cy="0"/>
         </a:xfrm>
       </p:grpSpPr>
+      <p:sp>
+        <p:nvSpPr>
+          <p:cNvPr id="4" name="Text Placeholder 3">
+            <a:extLst>
+              <a:ext uri="{FF2B5EF4-FFF2-40B4-BE49-F238E27FC236}">
+                <a16:creationId xmlns:a16="http://schemas.microsoft.com/office/drawing/2014/main" id="{38574419-87D0-6B49-92FD-ABA275A3F25D}"/>
+              </a:ext>
+            </a:extLst>
+          </p:cNvPr>
+          <p:cNvSpPr>
+            <a:spLocks noGrp="1"/>
+          </p:cNvSpPr>
+          <p:nvPr>
+            <p:ph type="body" sz="quarter" idx="10"/>
+          </p:nvPr>
+        </p:nvSpPr>
+        <p:spPr>
+          <a:xfrm>
+            <a:off x="464400" y="1212849"/>
+            <a:ext cx="4459292" cy="5069080"/>
+          </a:xfrm>
+        </p:spPr>
+        <p:txBody>
+          <a:bodyPr/>
+          <a:lstStyle/>
+          <a:p>
+            <a:r>
+              <a:rPr lang="en-US" dirty="0"/>
+              <a:t>Property pane supports the </a:t>
+            </a:r>
+            <a:br>
+              <a:rPr lang="en-US" dirty="0"/>
+            </a:br>
+            <a:r>
+              <a:rPr lang="en-US" dirty="0"/>
+              <a:t>following field types </a:t>
+            </a:r>
+            <a:br>
+              <a:rPr lang="en-US" dirty="0"/>
+            </a:br>
+            <a:r>
+              <a:rPr lang="en-US" dirty="0"/>
+              <a:t>out-of-the-box</a:t>
+            </a:r>
+          </a:p>
+          <a:p>
+            <a:pPr lvl="1"/>
+            <a:r>
+              <a:rPr lang="en-US" dirty="0"/>
+              <a:t>Label</a:t>
+            </a:r>
+          </a:p>
+          <a:p>
+            <a:pPr lvl="1"/>
+            <a:r>
+              <a:rPr lang="en-US" dirty="0"/>
+              <a:t>Textbox</a:t>
+            </a:r>
+          </a:p>
+          <a:p>
+            <a:pPr lvl="1"/>
+            <a:r>
+              <a:rPr lang="en-US" dirty="0"/>
+              <a:t>Multi-line Textbox</a:t>
+            </a:r>
+          </a:p>
+          <a:p>
+            <a:pPr lvl="1"/>
+            <a:r>
+              <a:rPr lang="en-US" dirty="0"/>
+              <a:t>Checkbox</a:t>
+            </a:r>
+          </a:p>
+          <a:p>
+            <a:pPr lvl="1"/>
+            <a:r>
+              <a:rPr lang="en-US" dirty="0"/>
+              <a:t>Dropdown</a:t>
+            </a:r>
+          </a:p>
+          <a:p>
+            <a:pPr lvl="1"/>
+            <a:r>
+              <a:rPr lang="en-US" dirty="0"/>
+              <a:t>Link</a:t>
+            </a:r>
+          </a:p>
+          <a:p>
+            <a:pPr lvl="1"/>
+            <a:r>
+              <a:rPr lang="en-US" dirty="0"/>
+              <a:t>Slider</a:t>
+            </a:r>
+          </a:p>
+          <a:p>
+            <a:pPr lvl="1"/>
+            <a:r>
+              <a:rPr lang="en-US" dirty="0"/>
+              <a:t>Toggle</a:t>
+            </a:r>
+          </a:p>
+          <a:p>
+            <a:pPr lvl="1"/>
+            <a:r>
+              <a:rPr lang="en-US" dirty="0"/>
+              <a:t>Custom</a:t>
+            </a:r>
+          </a:p>
+          <a:p>
+            <a:r>
+              <a:rPr lang="en-US" dirty="0"/>
+              <a:t>Also possible to create your own custom field types</a:t>
+            </a:r>
+          </a:p>
+          <a:p>
+            <a:endParaRPr lang="en-US" dirty="0"/>
+          </a:p>
+        </p:txBody>
+      </p:sp>
+      <p:sp>
+        <p:nvSpPr>
+          <p:cNvPr id="2" name="Title 1"/>
+          <p:cNvSpPr>
+            <a:spLocks noGrp="1"/>
+          </p:cNvSpPr>
+          <p:nvPr>
+            <p:ph type="title"/>
+          </p:nvPr>
+        </p:nvSpPr>
+        <p:spPr/>
+        <p:txBody>
+          <a:bodyPr/>
+          <a:lstStyle/>
+          <a:p>
+            <a:r>
+              <a:rPr lang="en-US" dirty="0"/>
+              <a:t>Overview</a:t>
+            </a:r>
+            <a:endParaRPr lang="fi-FI" dirty="0"/>
+          </a:p>
+        </p:txBody>
+      </p:sp>
       <p:pic>
         <p:nvPicPr>
-          <p:cNvPr id="5" name="Picture 4" descr="Graphical user interface&#10;&#10;Description automatically generated">
+          <p:cNvPr id="6" name="Picture 5" descr="Graphical user interface, text, application&#10;&#10;Description automatically generated">
             <a:extLst>
               <a:ext uri="{FF2B5EF4-FFF2-40B4-BE49-F238E27FC236}">
-                <a16:creationId xmlns:a16="http://schemas.microsoft.com/office/drawing/2014/main" id="{BD0CC84B-FF4F-4886-8C61-5E3C3C63EBF2}"/>
+                <a16:creationId xmlns:a16="http://schemas.microsoft.com/office/drawing/2014/main" id="{0652BA7C-1A62-4C5A-BA6D-4F5053FBBC98}"/>
               </a:ext>
             </a:extLst>
           </p:cNvPr>
@@ -15882,156 +16024,14 @@
         </p:blipFill>
         <p:spPr>
           <a:xfrm>
-            <a:off x="5165268" y="1212849"/>
-            <a:ext cx="6806805" cy="4058558"/>
+            <a:off x="5267395" y="1669091"/>
+            <a:ext cx="6771005" cy="3656342"/>
           </a:xfrm>
           <a:prstGeom prst="rect">
             <a:avLst/>
           </a:prstGeom>
         </p:spPr>
       </p:pic>
-      <p:sp>
-        <p:nvSpPr>
-          <p:cNvPr id="4" name="Text Placeholder 3">
-            <a:extLst>
-              <a:ext uri="{FF2B5EF4-FFF2-40B4-BE49-F238E27FC236}">
-                <a16:creationId xmlns:a16="http://schemas.microsoft.com/office/drawing/2014/main" id="{38574419-87D0-6B49-92FD-ABA275A3F25D}"/>
-              </a:ext>
-            </a:extLst>
-          </p:cNvPr>
-          <p:cNvSpPr>
-            <a:spLocks noGrp="1"/>
-          </p:cNvSpPr>
-          <p:nvPr>
-            <p:ph type="body" sz="quarter" idx="10"/>
-          </p:nvPr>
-        </p:nvSpPr>
-        <p:spPr>
-          <a:xfrm>
-            <a:off x="464400" y="1212849"/>
-            <a:ext cx="4459292" cy="5069080"/>
-          </a:xfrm>
-        </p:spPr>
-        <p:txBody>
-          <a:bodyPr/>
-          <a:lstStyle/>
-          <a:p>
-            <a:r>
-              <a:rPr lang="en-US" dirty="0"/>
-              <a:t>Property pane supports the </a:t>
-            </a:r>
-            <a:br>
-              <a:rPr lang="en-US" dirty="0"/>
-            </a:br>
-            <a:r>
-              <a:rPr lang="en-US" dirty="0"/>
-              <a:t>following field types </a:t>
-            </a:r>
-            <a:br>
-              <a:rPr lang="en-US" dirty="0"/>
-            </a:br>
-            <a:r>
-              <a:rPr lang="en-US" dirty="0"/>
-              <a:t>out-of-the-box</a:t>
-            </a:r>
-          </a:p>
-          <a:p>
-            <a:pPr lvl="1"/>
-            <a:r>
-              <a:rPr lang="en-US" dirty="0"/>
-              <a:t>Label</a:t>
-            </a:r>
-          </a:p>
-          <a:p>
-            <a:pPr lvl="1"/>
-            <a:r>
-              <a:rPr lang="en-US" dirty="0"/>
-              <a:t>Textbox</a:t>
-            </a:r>
-          </a:p>
-          <a:p>
-            <a:pPr lvl="1"/>
-            <a:r>
-              <a:rPr lang="en-US" dirty="0"/>
-              <a:t>Multi-line Textbox</a:t>
-            </a:r>
-          </a:p>
-          <a:p>
-            <a:pPr lvl="1"/>
-            <a:r>
-              <a:rPr lang="en-US" dirty="0"/>
-              <a:t>Checkbox</a:t>
-            </a:r>
-          </a:p>
-          <a:p>
-            <a:pPr lvl="1"/>
-            <a:r>
-              <a:rPr lang="en-US" dirty="0"/>
-              <a:t>Dropdown</a:t>
-            </a:r>
-          </a:p>
-          <a:p>
-            <a:pPr lvl="1"/>
-            <a:r>
-              <a:rPr lang="en-US" dirty="0"/>
-              <a:t>Link</a:t>
-            </a:r>
-          </a:p>
-          <a:p>
-            <a:pPr lvl="1"/>
-            <a:r>
-              <a:rPr lang="en-US" dirty="0"/>
-              <a:t>Slider</a:t>
-            </a:r>
-          </a:p>
-          <a:p>
-            <a:pPr lvl="1"/>
-            <a:r>
-              <a:rPr lang="en-US" dirty="0"/>
-              <a:t>Toggle</a:t>
-            </a:r>
-          </a:p>
-          <a:p>
-            <a:pPr lvl="1"/>
-            <a:r>
-              <a:rPr lang="en-US" dirty="0"/>
-              <a:t>Custom</a:t>
-            </a:r>
-          </a:p>
-          <a:p>
-            <a:r>
-              <a:rPr lang="en-US" dirty="0"/>
-              <a:t>Also possible to create your own custom field types</a:t>
-            </a:r>
-          </a:p>
-          <a:p>
-            <a:endParaRPr lang="en-US" dirty="0"/>
-          </a:p>
-        </p:txBody>
-      </p:sp>
-      <p:sp>
-        <p:nvSpPr>
-          <p:cNvPr id="2" name="Title 1"/>
-          <p:cNvSpPr>
-            <a:spLocks noGrp="1"/>
-          </p:cNvSpPr>
-          <p:nvPr>
-            <p:ph type="title"/>
-          </p:nvPr>
-        </p:nvSpPr>
-        <p:spPr/>
-        <p:txBody>
-          <a:bodyPr/>
-          <a:lstStyle/>
-          <a:p>
-            <a:r>
-              <a:rPr lang="en-US" dirty="0"/>
-              <a:t>Overview</a:t>
-            </a:r>
-            <a:endParaRPr lang="fi-FI" dirty="0"/>
-          </a:p>
-        </p:txBody>
-      </p:sp>
     </p:spTree>
     <p:extLst>
       <p:ext uri="{BB962C8B-B14F-4D97-AF65-F5344CB8AC3E}">

--- a/02 customprops.pptx
+++ b/02 customprops.pptx
@@ -264,7 +264,7 @@
               <a:rPr lang="en-US" smtClean="0">
                 <a:latin typeface="Segoe UI" pitchFamily="34" charset="0"/>
               </a:rPr>
-              <a:t>3/28/2022 1:09 PM</a:t>
+              <a:t>11/9/2022 1:06 PM</a:t>
             </a:fld>
             <a:endParaRPr lang="en-US" dirty="0">
               <a:latin typeface="Segoe UI" pitchFamily="34" charset="0"/>
@@ -561,7 +561,7 @@
           <a:p>
             <a:fld id="{D18B56EA-E28F-4F92-9F16-7A6F2501B303}" type="datetime8">
               <a:rPr lang="en-US" smtClean="0"/>
-              <a:t>3/28/2022 1:09 PM</a:t>
+              <a:t>11/9/2022 1:06 PM</a:t>
             </a:fld>
             <a:endParaRPr lang="en-US" dirty="0"/>
           </a:p>
@@ -944,7 +944,7 @@
           <a:p>
             <a:fld id="{D18B56EA-E28F-4F92-9F16-7A6F2501B303}" type="datetime8">
               <a:rPr lang="en-US" smtClean="0"/>
-              <a:t>3/28/2022 1:09 PM</a:t>
+              <a:t>11/9/2022 1:06 PM</a:t>
             </a:fld>
             <a:endParaRPr lang="en-US" dirty="0"/>
           </a:p>
@@ -1125,7 +1125,7 @@
           <a:p>
             <a:fld id="{D18B56EA-E28F-4F92-9F16-7A6F2501B303}" type="datetime8">
               <a:rPr lang="en-US" smtClean="0"/>
-              <a:t>3/28/2022 1:09 PM</a:t>
+              <a:t>11/9/2022 1:06 PM</a:t>
             </a:fld>
             <a:endParaRPr lang="en-US" dirty="0"/>
           </a:p>
@@ -1309,7 +1309,7 @@
           <a:p>
             <a:fld id="{D18B56EA-E28F-4F92-9F16-7A6F2501B303}" type="datetime8">
               <a:rPr lang="en-US" smtClean="0"/>
-              <a:t>3/28/2022 1:09 PM</a:t>
+              <a:t>11/9/2022 1:06 PM</a:t>
             </a:fld>
             <a:endParaRPr lang="en-US" dirty="0"/>
           </a:p>
@@ -1739,7 +1739,7 @@
           <a:p>
             <a:fld id="{D18B56EA-E28F-4F92-9F16-7A6F2501B303}" type="datetime8">
               <a:rPr lang="en-US" smtClean="0"/>
-              <a:t>3/28/2022 1:09 PM</a:t>
+              <a:t>11/9/2022 1:06 PM</a:t>
             </a:fld>
             <a:endParaRPr lang="en-US" dirty="0"/>
           </a:p>
@@ -1971,7 +1971,7 @@
           <a:p>
             <a:fld id="{D18B56EA-E28F-4F92-9F16-7A6F2501B303}" type="datetime8">
               <a:rPr lang="en-US" smtClean="0"/>
-              <a:t>3/28/2022 1:09 PM</a:t>
+              <a:t>11/9/2022 1:06 PM</a:t>
             </a:fld>
             <a:endParaRPr lang="en-US" dirty="0"/>
           </a:p>
@@ -2354,7 +2354,7 @@
           <a:p>
             <a:fld id="{D18B56EA-E28F-4F92-9F16-7A6F2501B303}" type="datetime8">
               <a:rPr lang="en-US" smtClean="0"/>
-              <a:t>3/28/2022 1:09 PM</a:t>
+              <a:t>11/9/2022 1:06 PM</a:t>
             </a:fld>
             <a:endParaRPr lang="en-US" dirty="0"/>
           </a:p>
@@ -2535,7 +2535,7 @@
           <a:p>
             <a:fld id="{D18B56EA-E28F-4F92-9F16-7A6F2501B303}" type="datetime8">
               <a:rPr lang="en-US" smtClean="0"/>
-              <a:t>3/28/2022 1:09 PM</a:t>
+              <a:t>11/9/2022 1:06 PM</a:t>
             </a:fld>
             <a:endParaRPr lang="en-US" dirty="0"/>
           </a:p>
@@ -2716,7 +2716,7 @@
           <a:p>
             <a:fld id="{D18B56EA-E28F-4F92-9F16-7A6F2501B303}" type="datetime8">
               <a:rPr lang="en-US" smtClean="0"/>
-              <a:t>3/28/2022 1:09 PM</a:t>
+              <a:t>11/9/2022 1:06 PM</a:t>
             </a:fld>
             <a:endParaRPr lang="en-US" dirty="0"/>
           </a:p>
@@ -17443,7 +17443,7 @@
                 <a:latin typeface="+mj-lt"/>
                 <a:hlinkClick r:id="rId3"/>
               </a:rPr>
-              <a:t>https://docs.microsoft.com/sharepoint/dev/spfx/sharepoint-framework-overview</a:t>
+              <a:t>https://learn.microsoft.com/sharepoint/dev/spfx/sharepoint-framework-overview</a:t>
             </a:r>
             <a:endParaRPr lang="en-US" sz="1800" dirty="0">
               <a:latin typeface="+mj-lt"/>
@@ -17505,7 +17505,7 @@
                 <a:latin typeface="+mj-lt"/>
                 <a:hlinkClick r:id="rId4"/>
               </a:rPr>
-              <a:t>https://docs.microsoft.com/sharepoint/dev/spfx/web-parts/basics/integrate-with-property-pane</a:t>
+              <a:t>https://learn.microsoft.com/sharepoint/dev/spfx/web-parts/basics/integrate-with-property-pane</a:t>
             </a:r>
             <a:r>
               <a:rPr lang="en-US" sz="1800" dirty="0">
@@ -17563,7 +17563,7 @@
                 <a:latin typeface="+mj-lt"/>
                 <a:hlinkClick r:id="rId5"/>
               </a:rPr>
-              <a:t>https://docs.microsoft.com/sharepoint/dev/spfx/web-parts/guidance/build-custom-property-pane-controls</a:t>
+              <a:t>https://learn.microsoft.com/sharepoint/dev/spfx/web-parts/guidance/build-custom-property-pane-controls</a:t>
             </a:r>
             <a:r>
               <a:rPr lang="en-US" sz="1800" dirty="0">
